--- a/secure-coding/slides/delivery/06__JavaScript-Security.pptx
+++ b/secure-coding/slides/delivery/06__JavaScript-Security.pptx
@@ -1,76 +1,76 @@
 
 <file path=ppt/presentation.xml><?xml version="1.0" encoding="utf-8"?>
-<p:presentation xmlns:a="http://schemas.openxmlformats.org/drawingml/2006/main" xmlns:r="http://schemas.openxmlformats.org/officeDocument/2006/relationships" xmlns:p="http://schemas.openxmlformats.org/presentationml/2006/main" showSpecialPlsOnTitleSld="0" autoCompressPictures="0">
+<p:presentation xmlns:a="http://schemas.openxmlformats.org/drawingml/2006/main" xmlns:r="http://schemas.openxmlformats.org/officeDocument/2006/relationships" xmlns:p="http://schemas.openxmlformats.org/presentationml/2006/main" showSpecialPlsOnTitleSld="0" saveSubsetFonts="1" autoCompressPictures="0">
   <p:sldMasterIdLst>
-    <p:sldMasterId id="2147483648" r:id="rId1"/>
+    <p:sldMasterId id="2147483651" r:id="rId1"/>
   </p:sldMasterIdLst>
   <p:notesMasterIdLst>
-    <p:notesMasterId r:id="rId15"/>
+    <p:notesMasterId r:id="rId60"/>
   </p:notesMasterIdLst>
   <p:handoutMasterIdLst>
-    <p:handoutMasterId r:id="rId62"/>
+    <p:handoutMasterId r:id="rId61"/>
   </p:handoutMasterIdLst>
   <p:sldIdLst>
-    <p:sldId id="256" r:id="rId3"/>
-    <p:sldId id="257" r:id="rId4"/>
-    <p:sldId id="258" r:id="rId5"/>
-    <p:sldId id="259" r:id="rId6"/>
-    <p:sldId id="260" r:id="rId7"/>
-    <p:sldId id="261" r:id="rId8"/>
-    <p:sldId id="262" r:id="rId9"/>
-    <p:sldId id="263" r:id="rId10"/>
-    <p:sldId id="264" r:id="rId11"/>
-    <p:sldId id="265" r:id="rId12"/>
-    <p:sldId id="266" r:id="rId13"/>
-    <p:sldId id="267" r:id="rId14"/>
-    <p:sldId id="268" r:id="rId16"/>
-    <p:sldId id="269" r:id="rId17"/>
-    <p:sldId id="270" r:id="rId18"/>
-    <p:sldId id="271" r:id="rId19"/>
-    <p:sldId id="272" r:id="rId20"/>
-    <p:sldId id="273" r:id="rId21"/>
-    <p:sldId id="274" r:id="rId22"/>
-    <p:sldId id="275" r:id="rId23"/>
-    <p:sldId id="276" r:id="rId24"/>
-    <p:sldId id="277" r:id="rId25"/>
-    <p:sldId id="278" r:id="rId26"/>
-    <p:sldId id="279" r:id="rId27"/>
-    <p:sldId id="280" r:id="rId28"/>
-    <p:sldId id="281" r:id="rId29"/>
-    <p:sldId id="282" r:id="rId30"/>
-    <p:sldId id="283" r:id="rId31"/>
-    <p:sldId id="284" r:id="rId32"/>
-    <p:sldId id="285" r:id="rId33"/>
-    <p:sldId id="286" r:id="rId34"/>
-    <p:sldId id="287" r:id="rId35"/>
-    <p:sldId id="288" r:id="rId36"/>
-    <p:sldId id="289" r:id="rId37"/>
-    <p:sldId id="290" r:id="rId38"/>
-    <p:sldId id="291" r:id="rId39"/>
-    <p:sldId id="292" r:id="rId40"/>
-    <p:sldId id="293" r:id="rId41"/>
-    <p:sldId id="294" r:id="rId42"/>
-    <p:sldId id="295" r:id="rId43"/>
-    <p:sldId id="296" r:id="rId44"/>
-    <p:sldId id="297" r:id="rId45"/>
-    <p:sldId id="298" r:id="rId46"/>
-    <p:sldId id="299" r:id="rId47"/>
-    <p:sldId id="300" r:id="rId48"/>
-    <p:sldId id="301" r:id="rId49"/>
-    <p:sldId id="302" r:id="rId50"/>
-    <p:sldId id="303" r:id="rId51"/>
-    <p:sldId id="304" r:id="rId52"/>
-    <p:sldId id="305" r:id="rId53"/>
-    <p:sldId id="306" r:id="rId54"/>
-    <p:sldId id="307" r:id="rId55"/>
-    <p:sldId id="308" r:id="rId56"/>
-    <p:sldId id="309" r:id="rId57"/>
-    <p:sldId id="310" r:id="rId58"/>
-    <p:sldId id="311" r:id="rId59"/>
-    <p:sldId id="312" r:id="rId60"/>
-    <p:sldId id="313" r:id="rId61"/>
+    <p:sldId id="256" r:id="rId2"/>
+    <p:sldId id="257" r:id="rId3"/>
+    <p:sldId id="258" r:id="rId4"/>
+    <p:sldId id="259" r:id="rId5"/>
+    <p:sldId id="260" r:id="rId6"/>
+    <p:sldId id="261" r:id="rId7"/>
+    <p:sldId id="262" r:id="rId8"/>
+    <p:sldId id="263" r:id="rId9"/>
+    <p:sldId id="264" r:id="rId10"/>
+    <p:sldId id="265" r:id="rId11"/>
+    <p:sldId id="266" r:id="rId12"/>
+    <p:sldId id="267" r:id="rId13"/>
+    <p:sldId id="268" r:id="rId14"/>
+    <p:sldId id="269" r:id="rId15"/>
+    <p:sldId id="270" r:id="rId16"/>
+    <p:sldId id="271" r:id="rId17"/>
+    <p:sldId id="272" r:id="rId18"/>
+    <p:sldId id="273" r:id="rId19"/>
+    <p:sldId id="274" r:id="rId20"/>
+    <p:sldId id="275" r:id="rId21"/>
+    <p:sldId id="276" r:id="rId22"/>
+    <p:sldId id="277" r:id="rId23"/>
+    <p:sldId id="278" r:id="rId24"/>
+    <p:sldId id="279" r:id="rId25"/>
+    <p:sldId id="280" r:id="rId26"/>
+    <p:sldId id="281" r:id="rId27"/>
+    <p:sldId id="282" r:id="rId28"/>
+    <p:sldId id="283" r:id="rId29"/>
+    <p:sldId id="284" r:id="rId30"/>
+    <p:sldId id="285" r:id="rId31"/>
+    <p:sldId id="286" r:id="rId32"/>
+    <p:sldId id="287" r:id="rId33"/>
+    <p:sldId id="288" r:id="rId34"/>
+    <p:sldId id="289" r:id="rId35"/>
+    <p:sldId id="290" r:id="rId36"/>
+    <p:sldId id="291" r:id="rId37"/>
+    <p:sldId id="292" r:id="rId38"/>
+    <p:sldId id="293" r:id="rId39"/>
+    <p:sldId id="294" r:id="rId40"/>
+    <p:sldId id="295" r:id="rId41"/>
+    <p:sldId id="296" r:id="rId42"/>
+    <p:sldId id="297" r:id="rId43"/>
+    <p:sldId id="298" r:id="rId44"/>
+    <p:sldId id="299" r:id="rId45"/>
+    <p:sldId id="300" r:id="rId46"/>
+    <p:sldId id="301" r:id="rId47"/>
+    <p:sldId id="302" r:id="rId48"/>
+    <p:sldId id="303" r:id="rId49"/>
+    <p:sldId id="304" r:id="rId50"/>
+    <p:sldId id="305" r:id="rId51"/>
+    <p:sldId id="306" r:id="rId52"/>
+    <p:sldId id="307" r:id="rId53"/>
+    <p:sldId id="308" r:id="rId54"/>
+    <p:sldId id="309" r:id="rId55"/>
+    <p:sldId id="310" r:id="rId56"/>
+    <p:sldId id="311" r:id="rId57"/>
+    <p:sldId id="312" r:id="rId58"/>
+    <p:sldId id="313" r:id="rId59"/>
   </p:sldIdLst>
-  <p:sldSz cx="9372600" cy="8297545"/>
+  <p:sldSz cx="9372600" cy="8297863"/>
   <p:notesSz cx="7315200" cy="9601200"/>
   <p:defaultTextStyle>
     <a:defPPr>
@@ -88,8 +88,8 @@
           <a:schemeClr val="tx1"/>
         </a:solidFill>
         <a:latin typeface="Garamond" pitchFamily="18" charset="0"/>
-        <a:ea typeface="MS PGothic"/>
-        <a:cs typeface="MS PGothic"/>
+        <a:ea typeface="ＭＳ Ｐゴシック"/>
+        <a:cs typeface="ＭＳ Ｐゴシック"/>
       </a:defRPr>
     </a:lvl1pPr>
     <a:lvl2pPr marL="457200" algn="l" rtl="0" fontAlgn="base">
@@ -104,8 +104,8 @@
           <a:schemeClr val="tx1"/>
         </a:solidFill>
         <a:latin typeface="Garamond" pitchFamily="18" charset="0"/>
-        <a:ea typeface="MS PGothic"/>
-        <a:cs typeface="MS PGothic"/>
+        <a:ea typeface="ＭＳ Ｐゴシック"/>
+        <a:cs typeface="ＭＳ Ｐゴシック"/>
       </a:defRPr>
     </a:lvl2pPr>
     <a:lvl3pPr marL="914400" algn="l" rtl="0" fontAlgn="base">
@@ -120,8 +120,8 @@
           <a:schemeClr val="tx1"/>
         </a:solidFill>
         <a:latin typeface="Garamond" pitchFamily="18" charset="0"/>
-        <a:ea typeface="MS PGothic"/>
-        <a:cs typeface="MS PGothic"/>
+        <a:ea typeface="ＭＳ Ｐゴシック"/>
+        <a:cs typeface="ＭＳ Ｐゴシック"/>
       </a:defRPr>
     </a:lvl3pPr>
     <a:lvl4pPr marL="1371600" algn="l" rtl="0" fontAlgn="base">
@@ -136,8 +136,8 @@
           <a:schemeClr val="tx1"/>
         </a:solidFill>
         <a:latin typeface="Garamond" pitchFamily="18" charset="0"/>
-        <a:ea typeface="MS PGothic"/>
-        <a:cs typeface="MS PGothic"/>
+        <a:ea typeface="ＭＳ Ｐゴシック"/>
+        <a:cs typeface="ＭＳ Ｐゴシック"/>
       </a:defRPr>
     </a:lvl4pPr>
     <a:lvl5pPr marL="1828800" algn="l" rtl="0" fontAlgn="base">
@@ -152,8 +152,8 @@
           <a:schemeClr val="tx1"/>
         </a:solidFill>
         <a:latin typeface="Garamond" pitchFamily="18" charset="0"/>
-        <a:ea typeface="MS PGothic"/>
-        <a:cs typeface="MS PGothic"/>
+        <a:ea typeface="ＭＳ Ｐゴシック"/>
+        <a:cs typeface="ＭＳ Ｐゴシック"/>
       </a:defRPr>
     </a:lvl5pPr>
     <a:lvl6pPr marL="2286000" algn="l" defTabSz="914400" rtl="0" eaLnBrk="1" latinLnBrk="0" hangingPunct="1">
@@ -162,8 +162,8 @@
           <a:schemeClr val="tx1"/>
         </a:solidFill>
         <a:latin typeface="Garamond" pitchFamily="18" charset="0"/>
-        <a:ea typeface="MS PGothic"/>
-        <a:cs typeface="MS PGothic"/>
+        <a:ea typeface="ＭＳ Ｐゴシック"/>
+        <a:cs typeface="ＭＳ Ｐゴシック"/>
       </a:defRPr>
     </a:lvl6pPr>
     <a:lvl7pPr marL="2743200" algn="l" defTabSz="914400" rtl="0" eaLnBrk="1" latinLnBrk="0" hangingPunct="1">
@@ -172,8 +172,8 @@
           <a:schemeClr val="tx1"/>
         </a:solidFill>
         <a:latin typeface="Garamond" pitchFamily="18" charset="0"/>
-        <a:ea typeface="MS PGothic"/>
-        <a:cs typeface="MS PGothic"/>
+        <a:ea typeface="ＭＳ Ｐゴシック"/>
+        <a:cs typeface="ＭＳ Ｐゴシック"/>
       </a:defRPr>
     </a:lvl7pPr>
     <a:lvl8pPr marL="3200400" algn="l" defTabSz="914400" rtl="0" eaLnBrk="1" latinLnBrk="0" hangingPunct="1">
@@ -182,8 +182,8 @@
           <a:schemeClr val="tx1"/>
         </a:solidFill>
         <a:latin typeface="Garamond" pitchFamily="18" charset="0"/>
-        <a:ea typeface="MS PGothic"/>
-        <a:cs typeface="MS PGothic"/>
+        <a:ea typeface="ＭＳ Ｐゴシック"/>
+        <a:cs typeface="ＭＳ Ｐゴシック"/>
       </a:defRPr>
     </a:lvl8pPr>
     <a:lvl9pPr marL="3657600" algn="l" defTabSz="914400" rtl="0" eaLnBrk="1" latinLnBrk="0" hangingPunct="1">
@@ -192,11 +192,41 @@
           <a:schemeClr val="tx1"/>
         </a:solidFill>
         <a:latin typeface="Garamond" pitchFamily="18" charset="0"/>
-        <a:ea typeface="MS PGothic"/>
-        <a:cs typeface="MS PGothic"/>
+        <a:ea typeface="ＭＳ Ｐゴシック"/>
+        <a:cs typeface="ＭＳ Ｐゴシック"/>
       </a:defRPr>
     </a:lvl9pPr>
   </p:defaultTextStyle>
+  <p:extLst>
+    <p:ext uri="{EFAFB233-063F-42B5-8137-9DF3F51BA10A}">
+      <p15:sldGuideLst xmlns:p15="http://schemas.microsoft.com/office/powerpoint/2012/main">
+        <p15:guide id="1" orient="horz" pos="2614" userDrawn="1">
+          <p15:clr>
+            <a:srgbClr val="A4A3A4"/>
+          </p15:clr>
+        </p15:guide>
+        <p15:guide id="2" pos="2952" userDrawn="1">
+          <p15:clr>
+            <a:srgbClr val="A4A3A4"/>
+          </p15:clr>
+        </p15:guide>
+      </p15:sldGuideLst>
+    </p:ext>
+    <p:ext uri="{2D200454-40CA-4A62-9FC3-DE9A4176ACB9}">
+      <p15:notesGuideLst xmlns:p15="http://schemas.microsoft.com/office/powerpoint/2012/main">
+        <p15:guide id="1" orient="horz" pos="3024">
+          <p15:clr>
+            <a:srgbClr val="A4A3A4"/>
+          </p15:clr>
+        </p15:guide>
+        <p15:guide id="2" pos="2308">
+          <p15:clr>
+            <a:srgbClr val="A4A3A4"/>
+          </p15:clr>
+        </p15:guide>
+      </p15:notesGuideLst>
+    </p:ext>
+  </p:extLst>
 </p:presentation>
 </file>
 
@@ -257,14 +287,20 @@
           <a:ln w="9525">
             <a:noFill/>
             <a:miter lim="800000"/>
+            <a:headEnd/>
+            <a:tailEnd/>
           </a:ln>
         </p:spPr>
         <p:txBody>
-          <a:bodyPr vert="horz" wrap="square" lIns="96603" tIns="48303" rIns="96603" bIns="48303" numCol="1" anchor="b" anchorCtr="0" compatLnSpc="1"/>
+          <a:bodyPr vert="horz" wrap="square" lIns="96603" tIns="48303" rIns="96603" bIns="48303" numCol="1" anchor="b" anchorCtr="0" compatLnSpc="1">
+            <a:prstTxWarp prst="textNoShape">
+              <a:avLst/>
+            </a:prstTxWarp>
+          </a:bodyPr>
           <a:lstStyle>
             <a:lvl1pPr defTabSz="965200">
               <a:defRPr sz="1200">
-                <a:latin typeface="Times New Roman" panose="02020603050405020304" pitchFamily="-110" charset="0"/>
+                <a:latin typeface="Times New Roman" pitchFamily="18" charset="0"/>
               </a:defRPr>
             </a:lvl1pPr>
           </a:lstStyle>
@@ -276,7 +312,6 @@
               <a:rPr lang="en-US" dirty="0"/>
               <a:t>Copyright © 2017 Elephant Scale. All rights reserved.</a:t>
             </a:r>
-            <a:endParaRPr lang="en-US" dirty="0"/>
           </a:p>
         </p:txBody>
       </p:sp>
@@ -302,14 +337,20 @@
           <a:ln w="9525">
             <a:noFill/>
             <a:miter lim="800000"/>
+            <a:headEnd/>
+            <a:tailEnd/>
           </a:ln>
         </p:spPr>
         <p:txBody>
-          <a:bodyPr vert="horz" wrap="square" lIns="96603" tIns="48303" rIns="96603" bIns="48303" numCol="1" anchor="b" anchorCtr="0" compatLnSpc="1"/>
+          <a:bodyPr vert="horz" wrap="square" lIns="96603" tIns="48303" rIns="96603" bIns="48303" numCol="1" anchor="b" anchorCtr="0" compatLnSpc="1">
+            <a:prstTxWarp prst="textNoShape">
+              <a:avLst/>
+            </a:prstTxWarp>
+          </a:bodyPr>
           <a:lstStyle>
             <a:lvl1pPr algn="r" defTabSz="965200">
               <a:defRPr sz="1200">
-                <a:latin typeface="Times New Roman" panose="02020603050405020304" pitchFamily="-110" charset="0"/>
+                <a:latin typeface="Times New Roman" pitchFamily="18" charset="0"/>
               </a:defRPr>
             </a:lvl1pPr>
           </a:lstStyle>
@@ -319,12 +360,21 @@
             </a:pPr>
             <a:fld id="{97E62689-8C7D-4291-A094-4E689FEC4C3B}" type="slidenum">
               <a:rPr lang="en-US"/>
+              <a:pPr>
+                <a:defRPr/>
+              </a:pPr>
+              <a:t>‹#›</a:t>
             </a:fld>
             <a:endParaRPr lang="en-US" dirty="0"/>
           </a:p>
         </p:txBody>
       </p:sp>
     </p:spTree>
+    <p:extLst>
+      <p:ext uri="{BB962C8B-B14F-4D97-AF65-F5344CB8AC3E}">
+        <p14:creationId xmlns:p14="http://schemas.microsoft.com/office/powerpoint/2010/main" val="3239291525"/>
+      </p:ext>
+    </p:extLst>
   </p:cSld>
   <p:clrMap bg1="lt1" tx1="dk1" bg2="lt2" tx2="dk2" accent1="accent1" accent2="accent2" accent3="accent3" accent4="accent4" accent5="accent5" accent6="accent6" hlink="hlink" folHlink="folHlink"/>
   <p:hf hdr="0" ftr="0" dt="0"/>
@@ -380,6 +430,8 @@
               <a:srgbClr val="000000"/>
             </a:solidFill>
             <a:miter lim="800000"/>
+            <a:headEnd/>
+            <a:tailEnd/>
           </a:ln>
         </p:spPr>
       </p:sp>
@@ -405,15 +457,21 @@
           <a:ln w="9525">
             <a:noFill/>
             <a:miter lim="800000"/>
+            <a:headEnd/>
+            <a:tailEnd/>
           </a:ln>
           <a:effectLst/>
         </p:spPr>
         <p:txBody>
-          <a:bodyPr vert="horz" wrap="square" lIns="0" tIns="0" rIns="0" bIns="0" numCol="1" anchor="b" anchorCtr="1" compatLnSpc="1"/>
+          <a:bodyPr vert="horz" wrap="square" lIns="0" tIns="0" rIns="0" bIns="0" numCol="1" anchor="b" anchorCtr="1" compatLnSpc="1">
+            <a:prstTxWarp prst="textNoShape">
+              <a:avLst/>
+            </a:prstTxWarp>
+          </a:bodyPr>
           <a:lstStyle>
             <a:lvl1pPr algn="ctr" defTabSz="965200" eaLnBrk="0" hangingPunct="0">
               <a:defRPr sz="900">
-                <a:latin typeface="Arial" panose="020B0604020202020204" pitchFamily="34" charset="0"/>
+                <a:latin typeface="Arial" charset="0"/>
               </a:defRPr>
             </a:lvl1pPr>
           </a:lstStyle>
@@ -425,7 +483,6 @@
               <a:rPr lang="en-US" dirty="0"/>
               <a:t>Copyright © 2017 Elephant Scale. All rights reserved.</a:t>
             </a:r>
-            <a:endParaRPr lang="en-US" dirty="0"/>
           </a:p>
         </p:txBody>
       </p:sp>
@@ -451,15 +508,21 @@
           <a:ln w="9525">
             <a:noFill/>
             <a:miter lim="800000"/>
+            <a:headEnd/>
+            <a:tailEnd/>
           </a:ln>
           <a:effectLst/>
         </p:spPr>
         <p:txBody>
-          <a:bodyPr vert="horz" wrap="square" lIns="0" tIns="0" rIns="0" bIns="0" numCol="1" anchor="b" anchorCtr="0" compatLnSpc="1"/>
+          <a:bodyPr vert="horz" wrap="square" lIns="0" tIns="0" rIns="0" bIns="0" numCol="1" anchor="b" anchorCtr="0" compatLnSpc="1">
+            <a:prstTxWarp prst="textNoShape">
+              <a:avLst/>
+            </a:prstTxWarp>
+          </a:bodyPr>
           <a:lstStyle>
             <a:lvl1pPr algn="r" defTabSz="965200" eaLnBrk="0" hangingPunct="0">
               <a:defRPr b="1">
-                <a:latin typeface="Arial" panose="020B0604020202020204" pitchFamily="34" charset="0"/>
+                <a:latin typeface="Arial" charset="0"/>
               </a:defRPr>
             </a:lvl1pPr>
           </a:lstStyle>
@@ -469,6 +532,10 @@
             </a:pPr>
             <a:fld id="{EFAADD5D-AF76-45EE-AA5F-6DAC73BF167A}" type="slidenum">
               <a:rPr lang="en-US"/>
+              <a:pPr>
+                <a:defRPr/>
+              </a:pPr>
+              <a:t>‹#›</a:t>
             </a:fld>
             <a:endParaRPr lang="en-US" dirty="0"/>
           </a:p>
@@ -494,26 +561,24 @@
           <a:ln w="9525">
             <a:noFill/>
             <a:miter lim="800000"/>
+            <a:headEnd/>
+            <a:tailEnd/>
           </a:ln>
         </p:spPr>
         <p:txBody>
           <a:bodyPr wrap="none" lIns="96386" tIns="48194" rIns="96386" bIns="48194"/>
           <a:lstStyle/>
           <a:p>
-            <a:pPr defTabSz="960755">
+            <a:pPr defTabSz="960438">
               <a:defRPr/>
             </a:pPr>
             <a:r>
               <a:rPr lang="en-US" sz="1200" b="1" u="sng" dirty="0">
-                <a:latin typeface="Times New Roman" panose="02020603050405020304" pitchFamily="-110" charset="0"/>
-                <a:cs typeface="Times New Roman" panose="02020603050405020304" pitchFamily="-110" charset="0"/>
+                <a:latin typeface="Times New Roman" pitchFamily="18" charset="0"/>
+                <a:cs typeface="Times New Roman" pitchFamily="18" charset="0"/>
               </a:rPr>
               <a:t>Notes:</a:t>
             </a:r>
-            <a:endParaRPr lang="en-US" sz="1200" b="1" u="sng" dirty="0">
-              <a:latin typeface="Times New Roman" panose="02020603050405020304" pitchFamily="-110" charset="0"/>
-              <a:cs typeface="Times New Roman" panose="02020603050405020304" pitchFamily="-110" charset="0"/>
-            </a:endParaRPr>
           </a:p>
         </p:txBody>
       </p:sp>
@@ -539,10 +604,16 @@
           <a:ln w="9525">
             <a:noFill/>
             <a:miter lim="800000"/>
+            <a:headEnd/>
+            <a:tailEnd/>
           </a:ln>
         </p:spPr>
         <p:txBody>
-          <a:bodyPr vert="horz" wrap="square" lIns="91537" tIns="45768" rIns="91537" bIns="45768" numCol="1" anchor="t" anchorCtr="0" compatLnSpc="1"/>
+          <a:bodyPr vert="horz" wrap="square" lIns="91537" tIns="45768" rIns="91537" bIns="45768" numCol="1" anchor="t" anchorCtr="0" compatLnSpc="1">
+            <a:prstTxWarp prst="textNoShape">
+              <a:avLst/>
+            </a:prstTxWarp>
+          </a:bodyPr>
           <a:lstStyle/>
           <a:p>
             <a:pPr lvl="0"/>
@@ -572,6 +643,8 @@
               <a:srgbClr val="000000"/>
             </a:solidFill>
             <a:round/>
+            <a:headEnd/>
+            <a:tailEnd/>
           </a:ln>
           <a:effectLst/>
         </p:spPr>
@@ -586,7 +659,7 @@
               <a:defRPr/>
             </a:pPr>
             <a:endParaRPr lang="en-US" dirty="0">
-              <a:latin typeface="Garamond" pitchFamily="18" charset="0"/>
+              <a:latin typeface="Garamond" pitchFamily="-110" charset="0"/>
               <a:ea typeface="+mn-ea"/>
               <a:cs typeface="+mn-cs"/>
             </a:endParaRPr>
@@ -594,6 +667,11 @@
         </p:txBody>
       </p:sp>
     </p:spTree>
+    <p:extLst>
+      <p:ext uri="{BB962C8B-B14F-4D97-AF65-F5344CB8AC3E}">
+        <p14:creationId xmlns:p14="http://schemas.microsoft.com/office/powerpoint/2010/main" val="953744030"/>
+      </p:ext>
+    </p:extLst>
   </p:cSld>
   <p:clrMap bg1="lt1" tx1="dk1" bg2="lt2" tx2="dk2" accent1="accent1" accent2="accent2" accent3="accent3" accent4="accent4" accent5="accent5" accent6="accent6" hlink="hlink" folHlink="folHlink"/>
   <p:hf dt="0"/>
@@ -606,15 +684,15 @@
         <a:spcPct val="0"/>
       </a:spcAft>
       <a:buSzPct val="65000"/>
-      <a:buFont typeface="Wingdings" panose="05000000000000000000" pitchFamily="2" charset="2"/>
+      <a:buFont typeface="Wingdings" pitchFamily="2" charset="2"/>
       <a:buNone/>
       <a:defRPr sz="1200" kern="1200">
         <a:solidFill>
           <a:schemeClr val="tx1"/>
         </a:solidFill>
-        <a:latin typeface="Times New Roman" panose="02020603050405020304" pitchFamily="-110" charset="0"/>
-        <a:ea typeface="MS PGothic" pitchFamily="-110" charset="-128"/>
-        <a:cs typeface="MS PGothic" pitchFamily="-110" charset="-128"/>
+        <a:latin typeface="Times New Roman" pitchFamily="-110" charset="0"/>
+        <a:ea typeface="ＭＳ Ｐゴシック" pitchFamily="-110" charset="-128"/>
+        <a:cs typeface="ＭＳ Ｐゴシック" pitchFamily="-110" charset="-128"/>
       </a:defRPr>
     </a:lvl1pPr>
     <a:lvl2pPr marL="282575" indent="0" algn="l" rtl="0" eaLnBrk="0" fontAlgn="base" hangingPunct="0">
@@ -629,12 +707,12 @@
         <a:solidFill>
           <a:schemeClr val="tx1"/>
         </a:solidFill>
-        <a:latin typeface="Times New Roman" panose="02020603050405020304" pitchFamily="-110" charset="0"/>
-        <a:ea typeface="MS PGothic" pitchFamily="-110" charset="-128"/>
-        <a:cs typeface="MS PGothic"/>
+        <a:latin typeface="Times New Roman" pitchFamily="-110" charset="0"/>
+        <a:ea typeface="ＭＳ Ｐゴシック" pitchFamily="-110" charset="-128"/>
+        <a:cs typeface="ＭＳ Ｐゴシック"/>
       </a:defRPr>
     </a:lvl2pPr>
-    <a:lvl3pPr marL="744855" indent="-173355" algn="l" rtl="0" eaLnBrk="0" fontAlgn="base" hangingPunct="0">
+    <a:lvl3pPr marL="744538" indent="-173038" algn="l" rtl="0" eaLnBrk="0" fontAlgn="base" hangingPunct="0">
       <a:spcBef>
         <a:spcPct val="30000"/>
       </a:spcBef>
@@ -646,9 +724,9 @@
         <a:solidFill>
           <a:schemeClr val="tx1"/>
         </a:solidFill>
-        <a:latin typeface="Times New Roman" panose="02020603050405020304" pitchFamily="-110" charset="0"/>
-        <a:ea typeface="MS PGothic" pitchFamily="-110" charset="-128"/>
-        <a:cs typeface="MS PGothic"/>
+        <a:latin typeface="Times New Roman" pitchFamily="-110" charset="0"/>
+        <a:ea typeface="ＭＳ Ｐゴシック" pitchFamily="-110" charset="-128"/>
+        <a:cs typeface="ＭＳ Ｐゴシック"/>
       </a:defRPr>
     </a:lvl3pPr>
     <a:lvl4pPr marL="1600200" indent="-228600" algn="l" rtl="0" eaLnBrk="0" fontAlgn="base" hangingPunct="0">
@@ -662,9 +740,9 @@
         <a:solidFill>
           <a:schemeClr val="tx1"/>
         </a:solidFill>
-        <a:latin typeface="Times New Roman" panose="02020603050405020304" pitchFamily="-110" charset="0"/>
-        <a:ea typeface="MS PGothic" pitchFamily="-110" charset="-128"/>
-        <a:cs typeface="MS PGothic"/>
+        <a:latin typeface="Times New Roman" pitchFamily="-110" charset="0"/>
+        <a:ea typeface="ＭＳ Ｐゴシック" pitchFamily="-110" charset="-128"/>
+        <a:cs typeface="ＭＳ Ｐゴシック"/>
       </a:defRPr>
     </a:lvl4pPr>
     <a:lvl5pPr marL="2057400" indent="-228600" algn="l" rtl="0" eaLnBrk="0" fontAlgn="base" hangingPunct="0">
@@ -678,9 +756,9 @@
         <a:solidFill>
           <a:schemeClr val="tx1"/>
         </a:solidFill>
-        <a:latin typeface="Times New Roman" panose="02020603050405020304" pitchFamily="-110" charset="0"/>
-        <a:ea typeface="MS PGothic" pitchFamily="-110" charset="-128"/>
-        <a:cs typeface="MS PGothic"/>
+        <a:latin typeface="Times New Roman" pitchFamily="-110" charset="0"/>
+        <a:ea typeface="ＭＳ Ｐゴシック" pitchFamily="-110" charset="-128"/>
+        <a:cs typeface="ＭＳ Ｐゴシック"/>
       </a:defRPr>
     </a:lvl5pPr>
     <a:lvl6pPr marL="2286000" algn="l" defTabSz="457200" rtl="0" eaLnBrk="1" latinLnBrk="0" hangingPunct="1">
@@ -748,7 +826,7 @@
         <p:nvSpPr>
           <p:cNvPr id="2" name="Slide Image Placeholder 1"/>
           <p:cNvSpPr>
-            <a:spLocks noGrp="1"/>
+            <a:spLocks noGrp="1" noRot="1" noChangeAspect="1"/>
           </p:cNvSpPr>
           <p:nvPr>
             <p:ph type="sldImg" idx="2"/>
@@ -818,7 +896,7 @@
         <p:nvSpPr>
           <p:cNvPr id="2" name="Slide Image Placeholder 1"/>
           <p:cNvSpPr>
-            <a:spLocks noGrp="1"/>
+            <a:spLocks noGrp="1" noRot="1" noChangeAspect="1"/>
           </p:cNvSpPr>
           <p:nvPr>
             <p:ph type="sldImg" idx="2"/>
@@ -888,7 +966,7 @@
         <p:nvSpPr>
           <p:cNvPr id="2" name="Slide Image Placeholder 1"/>
           <p:cNvSpPr>
-            <a:spLocks noGrp="1"/>
+            <a:spLocks noGrp="1" noRot="1" noChangeAspect="1"/>
           </p:cNvSpPr>
           <p:nvPr>
             <p:ph type="sldImg" idx="2"/>
@@ -958,7 +1036,7 @@
         <p:nvSpPr>
           <p:cNvPr id="2" name="Slide Image Placeholder 1"/>
           <p:cNvSpPr>
-            <a:spLocks noGrp="1"/>
+            <a:spLocks noGrp="1" noRot="1" noChangeAspect="1"/>
           </p:cNvSpPr>
           <p:nvPr>
             <p:ph type="sldImg" idx="2"/>
@@ -1008,7 +1086,7 @@
 </file>
 
 <file path=ppt/slideLayouts/slideLayout1.xml><?xml version="1.0" encoding="utf-8"?>
-<p:sldLayout xmlns:a="http://schemas.openxmlformats.org/drawingml/2006/main" xmlns:r="http://schemas.openxmlformats.org/officeDocument/2006/relationships" xmlns:p="http://schemas.openxmlformats.org/presentationml/2006/main" type="title" preserve="1" showMasterSp="0">
+<p:sldLayout xmlns:a="http://schemas.openxmlformats.org/drawingml/2006/main" xmlns:r="http://schemas.openxmlformats.org/officeDocument/2006/relationships" xmlns:p="http://schemas.openxmlformats.org/presentationml/2006/main" showMasterSp="0" type="title" preserve="1">
   <p:cSld name="Title Slide">
     <p:bg>
       <p:bgPr>
@@ -1043,9 +1121,7 @@
         <p:blipFill rotWithShape="1">
           <a:blip r:embed="rId2"/>
           <a:srcRect t="19473"/>
-          <a:stretch>
-            <a:fillRect/>
-          </a:stretch>
+          <a:stretch/>
         </p:blipFill>
         <p:spPr bwMode="auto">
           <a:xfrm>
@@ -1096,7 +1172,6 @@
               <a:rPr lang="en-US"/>
               <a:t>Click to edit Master subtitle style</a:t>
             </a:r>
-            <a:endParaRPr lang="en-US"/>
           </a:p>
         </p:txBody>
       </p:sp>
@@ -1128,7 +1203,6 @@
               <a:rPr lang="en-US"/>
               <a:t>Click to edit Master title style</a:t>
             </a:r>
-            <a:endParaRPr lang="en-US"/>
           </a:p>
         </p:txBody>
       </p:sp>
@@ -1178,7 +1252,6 @@
               <a:rPr lang="en-US" dirty="0"/>
               <a:t>Click to edit Master title style</a:t>
             </a:r>
-            <a:endParaRPr lang="en-US" dirty="0"/>
           </a:p>
         </p:txBody>
       </p:sp>
@@ -1202,7 +1275,6 @@
               <a:rPr lang="en-US" dirty="0"/>
               <a:t>Click to edit Master text styles</a:t>
             </a:r>
-            <a:endParaRPr lang="en-US" dirty="0"/>
           </a:p>
           <a:p>
             <a:pPr lvl="1"/>
@@ -1210,7 +1282,6 @@
               <a:rPr lang="en-US" dirty="0"/>
               <a:t>Second level</a:t>
             </a:r>
-            <a:endParaRPr lang="en-US" dirty="0"/>
           </a:p>
           <a:p>
             <a:pPr lvl="2"/>
@@ -1218,7 +1289,6 @@
               <a:rPr lang="en-US" dirty="0"/>
               <a:t>Third level</a:t>
             </a:r>
-            <a:endParaRPr lang="en-US" dirty="0"/>
           </a:p>
           <a:p>
             <a:pPr lvl="3"/>
@@ -1226,7 +1296,6 @@
               <a:rPr lang="en-US" dirty="0"/>
               <a:t>Fourth level</a:t>
             </a:r>
-            <a:endParaRPr lang="en-US" dirty="0"/>
           </a:p>
           <a:p>
             <a:pPr lvl="4"/>
@@ -1234,7 +1303,6 @@
               <a:rPr lang="en-US" dirty="0"/>
               <a:t>Fifth level</a:t>
             </a:r>
-            <a:endParaRPr lang="en-US" dirty="0"/>
           </a:p>
         </p:txBody>
       </p:sp>
@@ -1260,7 +1328,6 @@
               <a:rPr lang="en-US" dirty="0"/>
               <a:t>Copyright © 2017 Elephant Scale. All rights reserved.</a:t>
             </a:r>
-            <a:endParaRPr lang="en-US" dirty="0"/>
           </a:p>
         </p:txBody>
       </p:sp>
@@ -1284,6 +1351,10 @@
             </a:pPr>
             <a:fld id="{77EF9825-4C23-4085-A4E3-B5565466BD91}" type="slidenum">
               <a:rPr lang="en-US" smtClean="0"/>
+              <a:pPr>
+                <a:defRPr/>
+              </a:pPr>
+              <a:t>‹#›</a:t>
             </a:fld>
             <a:endParaRPr lang="en-US" dirty="0"/>
           </a:p>
@@ -1338,7 +1409,6 @@
               <a:rPr lang="en-US"/>
               <a:t>Click to edit Master title style</a:t>
             </a:r>
-            <a:endParaRPr lang="en-US"/>
           </a:p>
         </p:txBody>
       </p:sp>
@@ -1367,7 +1437,6 @@
               <a:rPr lang="en-US"/>
               <a:t>Click to edit Master text styles</a:t>
             </a:r>
-            <a:endParaRPr lang="en-US"/>
           </a:p>
           <a:p>
             <a:pPr lvl="1"/>
@@ -1375,7 +1444,6 @@
               <a:rPr lang="en-US"/>
               <a:t>Second level</a:t>
             </a:r>
-            <a:endParaRPr lang="en-US"/>
           </a:p>
           <a:p>
             <a:pPr lvl="2"/>
@@ -1383,7 +1451,6 @@
               <a:rPr lang="en-US"/>
               <a:t>Third level</a:t>
             </a:r>
-            <a:endParaRPr lang="en-US"/>
           </a:p>
           <a:p>
             <a:pPr lvl="3"/>
@@ -1391,7 +1458,6 @@
               <a:rPr lang="en-US"/>
               <a:t>Fourth level</a:t>
             </a:r>
-            <a:endParaRPr lang="en-US"/>
           </a:p>
           <a:p>
             <a:pPr lvl="4"/>
@@ -1399,7 +1465,6 @@
               <a:rPr lang="en-US"/>
               <a:t>Fifth level</a:t>
             </a:r>
-            <a:endParaRPr lang="en-US"/>
           </a:p>
         </p:txBody>
       </p:sp>
@@ -1428,7 +1493,6 @@
               <a:rPr lang="en-US"/>
               <a:t>Click to edit Master text styles</a:t>
             </a:r>
-            <a:endParaRPr lang="en-US"/>
           </a:p>
           <a:p>
             <a:pPr lvl="1"/>
@@ -1436,7 +1500,6 @@
               <a:rPr lang="en-US"/>
               <a:t>Second level</a:t>
             </a:r>
-            <a:endParaRPr lang="en-US"/>
           </a:p>
           <a:p>
             <a:pPr lvl="2"/>
@@ -1444,7 +1507,6 @@
               <a:rPr lang="en-US"/>
               <a:t>Third level</a:t>
             </a:r>
-            <a:endParaRPr lang="en-US"/>
           </a:p>
           <a:p>
             <a:pPr lvl="3"/>
@@ -1452,7 +1514,6 @@
               <a:rPr lang="en-US"/>
               <a:t>Fourth level</a:t>
             </a:r>
-            <a:endParaRPr lang="en-US"/>
           </a:p>
           <a:p>
             <a:pPr lvl="4"/>
@@ -1460,7 +1521,6 @@
               <a:rPr lang="en-US"/>
               <a:t>Fifth level</a:t>
             </a:r>
-            <a:endParaRPr lang="en-US"/>
           </a:p>
         </p:txBody>
       </p:sp>
@@ -1489,7 +1549,6 @@
               <a:rPr lang="en-US"/>
               <a:t>Click to edit Master text styles</a:t>
             </a:r>
-            <a:endParaRPr lang="en-US"/>
           </a:p>
           <a:p>
             <a:pPr lvl="1"/>
@@ -1497,7 +1556,6 @@
               <a:rPr lang="en-US"/>
               <a:t>Second level</a:t>
             </a:r>
-            <a:endParaRPr lang="en-US"/>
           </a:p>
           <a:p>
             <a:pPr lvl="2"/>
@@ -1505,7 +1563,6 @@
               <a:rPr lang="en-US"/>
               <a:t>Third level</a:t>
             </a:r>
-            <a:endParaRPr lang="en-US"/>
           </a:p>
           <a:p>
             <a:pPr lvl="3"/>
@@ -1513,7 +1570,6 @@
               <a:rPr lang="en-US"/>
               <a:t>Fourth level</a:t>
             </a:r>
-            <a:endParaRPr lang="en-US"/>
           </a:p>
           <a:p>
             <a:pPr lvl="4"/>
@@ -1521,7 +1577,6 @@
               <a:rPr lang="en-US"/>
               <a:t>Fifth level</a:t>
             </a:r>
-            <a:endParaRPr lang="en-US"/>
           </a:p>
         </p:txBody>
       </p:sp>
@@ -1535,7 +1590,9 @@
             <p:ph type="sldNum" sz="quarter" idx="11"/>
           </p:nvPr>
         </p:nvSpPr>
-        <p:spPr/>
+        <p:spPr>
+          <a:ln/>
+        </p:spPr>
         <p:txBody>
           <a:bodyPr/>
           <a:lstStyle>
@@ -1549,6 +1606,10 @@
             </a:pPr>
             <a:fld id="{040E4B02-67B9-4228-B08B-2561CEE6B946}" type="slidenum">
               <a:rPr lang="en-US"/>
+              <a:pPr>
+                <a:defRPr/>
+              </a:pPr>
+              <a:t>‹#›</a:t>
             </a:fld>
             <a:endParaRPr lang="en-US" dirty="0"/>
           </a:p>
@@ -1564,7 +1625,9 @@
             <p:ph type="ftr" sz="quarter" idx="12"/>
           </p:nvPr>
         </p:nvSpPr>
-        <p:spPr/>
+        <p:spPr>
+          <a:ln/>
+        </p:spPr>
         <p:txBody>
           <a:bodyPr/>
           <a:lstStyle>
@@ -1580,7 +1643,6 @@
               <a:rPr lang="en-US" dirty="0"/>
               <a:t>Copyright © 2017 Elephant Scale. All rights reserved.</a:t>
             </a:r>
-            <a:endParaRPr lang="en-US" dirty="0"/>
           </a:p>
         </p:txBody>
       </p:sp>
@@ -1633,7 +1695,6 @@
               <a:rPr lang="en-US"/>
               <a:t>Click to edit Master title style</a:t>
             </a:r>
-            <a:endParaRPr lang="en-US"/>
           </a:p>
         </p:txBody>
       </p:sp>
@@ -1662,7 +1723,6 @@
               <a:rPr lang="en-US"/>
               <a:t>Click to edit Master text styles</a:t>
             </a:r>
-            <a:endParaRPr lang="en-US"/>
           </a:p>
           <a:p>
             <a:pPr lvl="1"/>
@@ -1670,7 +1730,6 @@
               <a:rPr lang="en-US"/>
               <a:t>Second level</a:t>
             </a:r>
-            <a:endParaRPr lang="en-US"/>
           </a:p>
           <a:p>
             <a:pPr lvl="2"/>
@@ -1678,7 +1737,6 @@
               <a:rPr lang="en-US"/>
               <a:t>Third level</a:t>
             </a:r>
-            <a:endParaRPr lang="en-US"/>
           </a:p>
           <a:p>
             <a:pPr lvl="3"/>
@@ -1686,7 +1744,6 @@
               <a:rPr lang="en-US"/>
               <a:t>Fourth level</a:t>
             </a:r>
-            <a:endParaRPr lang="en-US"/>
           </a:p>
           <a:p>
             <a:pPr lvl="4"/>
@@ -1694,7 +1751,6 @@
               <a:rPr lang="en-US"/>
               <a:t>Fifth level</a:t>
             </a:r>
-            <a:endParaRPr lang="en-US"/>
           </a:p>
         </p:txBody>
       </p:sp>
@@ -1723,7 +1779,6 @@
               <a:rPr lang="en-US"/>
               <a:t>Click to edit Master text styles</a:t>
             </a:r>
-            <a:endParaRPr lang="en-US"/>
           </a:p>
           <a:p>
             <a:pPr lvl="1"/>
@@ -1731,7 +1786,6 @@
               <a:rPr lang="en-US"/>
               <a:t>Second level</a:t>
             </a:r>
-            <a:endParaRPr lang="en-US"/>
           </a:p>
           <a:p>
             <a:pPr lvl="2"/>
@@ -1739,7 +1793,6 @@
               <a:rPr lang="en-US"/>
               <a:t>Third level</a:t>
             </a:r>
-            <a:endParaRPr lang="en-US"/>
           </a:p>
           <a:p>
             <a:pPr lvl="3"/>
@@ -1747,7 +1800,6 @@
               <a:rPr lang="en-US"/>
               <a:t>Fourth level</a:t>
             </a:r>
-            <a:endParaRPr lang="en-US"/>
           </a:p>
           <a:p>
             <a:pPr lvl="4"/>
@@ -1755,7 +1807,6 @@
               <a:rPr lang="en-US"/>
               <a:t>Fifth level</a:t>
             </a:r>
-            <a:endParaRPr lang="en-US"/>
           </a:p>
         </p:txBody>
       </p:sp>
@@ -1769,7 +1820,9 @@
             <p:ph type="sldNum" sz="quarter" idx="11"/>
           </p:nvPr>
         </p:nvSpPr>
-        <p:spPr/>
+        <p:spPr>
+          <a:ln/>
+        </p:spPr>
         <p:txBody>
           <a:bodyPr/>
           <a:lstStyle>
@@ -1783,6 +1836,10 @@
             </a:pPr>
             <a:fld id="{A86CC632-9864-46F1-8EAB-FCD3BB9CEC9A}" type="slidenum">
               <a:rPr lang="en-US"/>
+              <a:pPr>
+                <a:defRPr/>
+              </a:pPr>
+              <a:t>‹#›</a:t>
             </a:fld>
             <a:endParaRPr lang="en-US" dirty="0"/>
           </a:p>
@@ -1798,7 +1855,9 @@
             <p:ph type="ftr" sz="quarter" idx="12"/>
           </p:nvPr>
         </p:nvSpPr>
-        <p:spPr/>
+        <p:spPr>
+          <a:ln/>
+        </p:spPr>
         <p:txBody>
           <a:bodyPr/>
           <a:lstStyle>
@@ -1814,7 +1873,6 @@
               <a:rPr lang="en-US" dirty="0"/>
               <a:t>Copyright © 2017 Elephant Scale. All rights reserved.</a:t>
             </a:r>
-            <a:endParaRPr lang="en-US" dirty="0"/>
           </a:p>
         </p:txBody>
       </p:sp>
@@ -1873,10 +1931,15 @@
           <a:ln w="9525">
             <a:noFill/>
             <a:miter lim="800000"/>
+            <a:headEnd/>
+            <a:tailEnd/>
           </a:ln>
         </p:spPr>
         <p:txBody>
           <a:bodyPr vert="horz" wrap="square" lIns="92007" tIns="46005" rIns="92007" bIns="46005" numCol="1" anchor="t" anchorCtr="0" compatLnSpc="1">
+            <a:prstTxWarp prst="textNoShape">
+              <a:avLst/>
+            </a:prstTxWarp>
             <a:normAutofit/>
           </a:bodyPr>
           <a:lstStyle/>
@@ -1886,7 +1949,6 @@
               <a:rPr lang="en-US" dirty="0"/>
               <a:t>Click to edit Master text styles</a:t>
             </a:r>
-            <a:endParaRPr lang="en-US" dirty="0"/>
           </a:p>
           <a:p>
             <a:pPr lvl="1"/>
@@ -1894,7 +1956,6 @@
               <a:rPr lang="en-US" dirty="0"/>
               <a:t>Second level</a:t>
             </a:r>
-            <a:endParaRPr lang="en-US" dirty="0"/>
           </a:p>
           <a:p>
             <a:pPr lvl="2"/>
@@ -1902,7 +1963,6 @@
               <a:rPr lang="en-US" dirty="0"/>
               <a:t>Third level</a:t>
             </a:r>
-            <a:endParaRPr lang="en-US" dirty="0"/>
           </a:p>
           <a:p>
             <a:pPr lvl="3"/>
@@ -1910,7 +1970,6 @@
               <a:rPr lang="en-US" dirty="0"/>
               <a:t>Fourth level</a:t>
             </a:r>
-            <a:endParaRPr lang="en-US" dirty="0"/>
           </a:p>
           <a:p>
             <a:pPr lvl="4"/>
@@ -1918,7 +1977,6 @@
               <a:rPr lang="en-US" dirty="0"/>
               <a:t>Fifth level</a:t>
             </a:r>
-            <a:endParaRPr lang="en-US" dirty="0"/>
           </a:p>
         </p:txBody>
       </p:sp>
@@ -1944,20 +2002,26 @@
           <a:ln w="9525">
             <a:noFill/>
             <a:miter lim="800000"/>
+            <a:headEnd/>
+            <a:tailEnd/>
           </a:ln>
           <a:effectLst/>
         </p:spPr>
         <p:txBody>
-          <a:bodyPr vert="horz" wrap="square" lIns="0" tIns="0" rIns="0" bIns="0" numCol="1" anchor="b" anchorCtr="0" compatLnSpc="1"/>
+          <a:bodyPr vert="horz" wrap="square" lIns="0" tIns="0" rIns="0" bIns="0" numCol="1" anchor="b" anchorCtr="0" compatLnSpc="1">
+            <a:prstTxWarp prst="textNoShape">
+              <a:avLst/>
+            </a:prstTxWarp>
+          </a:bodyPr>
           <a:lstStyle>
             <a:lvl1pPr algn="r" eaLnBrk="0" hangingPunct="0">
               <a:defRPr b="1">
                 <a:solidFill>
                   <a:srgbClr val="000000"/>
                 </a:solidFill>
-                <a:latin typeface="Arial" panose="020B0604020202020204" pitchFamily="34" charset="0"/>
-                <a:ea typeface="MS PGothic" charset="0"/>
-                <a:cs typeface="MS PGothic" charset="0"/>
+                <a:latin typeface="Arial" charset="0"/>
+                <a:ea typeface="ＭＳ Ｐゴシック" charset="0"/>
+                <a:cs typeface="ＭＳ Ｐゴシック" charset="0"/>
               </a:defRPr>
             </a:lvl1pPr>
           </a:lstStyle>
@@ -1967,6 +2031,10 @@
             </a:pPr>
             <a:fld id="{77EF9825-4C23-4085-A4E3-B5565466BD91}" type="slidenum">
               <a:rPr lang="en-US"/>
+              <a:pPr>
+                <a:defRPr/>
+              </a:pPr>
+              <a:t>‹#›</a:t>
             </a:fld>
             <a:endParaRPr lang="en-US" dirty="0"/>
           </a:p>
@@ -1994,11 +2062,16 @@
           <a:ln w="9525">
             <a:noFill/>
             <a:miter lim="800000"/>
+            <a:headEnd/>
+            <a:tailEnd/>
           </a:ln>
           <a:effectLst/>
         </p:spPr>
         <p:txBody>
           <a:bodyPr vert="horz" wrap="square" lIns="0" tIns="0" rIns="0" bIns="0" numCol="1" anchor="t" anchorCtr="0" compatLnSpc="1">
+            <a:prstTxWarp prst="textNoShape">
+              <a:avLst/>
+            </a:prstTxWarp>
             <a:spAutoFit/>
           </a:bodyPr>
           <a:lstStyle>
@@ -2024,7 +2097,6 @@
               <a:rPr lang="en-US" dirty="0"/>
               <a:t>Copyright © 2017 Elephant Scale. All rights reserved.</a:t>
             </a:r>
-            <a:endParaRPr lang="en-US" dirty="0"/>
           </a:p>
         </p:txBody>
       </p:sp>
@@ -2037,7 +2109,7 @@
           <p:nvPr/>
         </p:nvPicPr>
         <p:blipFill>
-          <a:blip r:embed="rId5"/>
+          <a:blip r:embed="rId6"/>
           <a:srcRect/>
           <a:stretch>
             <a:fillRect/>
@@ -2084,10 +2156,16 @@
           <a:ln w="9525">
             <a:noFill/>
             <a:miter lim="800000"/>
+            <a:headEnd/>
+            <a:tailEnd/>
           </a:ln>
         </p:spPr>
         <p:txBody>
-          <a:bodyPr vert="horz" wrap="square" lIns="92007" tIns="46005" rIns="92007" bIns="46005" numCol="1" anchor="b" anchorCtr="0" compatLnSpc="1"/>
+          <a:bodyPr vert="horz" wrap="square" lIns="92007" tIns="46005" rIns="92007" bIns="46005" numCol="1" anchor="b" anchorCtr="0" compatLnSpc="1">
+            <a:prstTxWarp prst="textNoShape">
+              <a:avLst/>
+            </a:prstTxWarp>
+          </a:bodyPr>
           <a:lstStyle/>
           <a:p>
             <a:pPr lvl="0"/>
@@ -2095,7 +2173,6 @@
               <a:rPr lang="en-US" dirty="0"/>
               <a:t>Click to edit Master title style</a:t>
             </a:r>
-            <a:endParaRPr lang="en-US" dirty="0"/>
           </a:p>
         </p:txBody>
       </p:sp>
@@ -2103,10 +2180,10 @@
   </p:cSld>
   <p:clrMap bg1="dk2" tx1="lt1" bg2="dk1" tx2="lt2" accent1="accent1" accent2="accent2" accent3="accent3" accent4="accent4" accent5="accent5" accent6="accent6" hlink="hlink" folHlink="folHlink"/>
   <p:sldLayoutIdLst>
-    <p:sldLayoutId id="2147483649" r:id="rId1"/>
-    <p:sldLayoutId id="2147483650" r:id="rId2"/>
-    <p:sldLayoutId id="2147483651" r:id="rId3"/>
-    <p:sldLayoutId id="2147483652" r:id="rId4"/>
+    <p:sldLayoutId id="2147483656" r:id="rId1"/>
+    <p:sldLayoutId id="2147483655" r:id="rId2"/>
+    <p:sldLayoutId id="2147483654" r:id="rId3"/>
+    <p:sldLayoutId id="2147483653" r:id="rId4"/>
   </p:sldLayoutIdLst>
   <p:hf hdr="0" dt="0"/>
   <p:txStyles>
@@ -2123,8 +2200,8 @@
             <a:schemeClr val="tx1"/>
           </a:solidFill>
           <a:latin typeface="+mj-lt"/>
-          <a:ea typeface="MS PGothic" pitchFamily="-110" charset="-128"/>
-          <a:cs typeface="MS PGothic" pitchFamily="-110" charset="-128"/>
+          <a:ea typeface="ＭＳ Ｐゴシック" pitchFamily="-110" charset="-128"/>
+          <a:cs typeface="ＭＳ Ｐゴシック" pitchFamily="-110" charset="-128"/>
         </a:defRPr>
       </a:lvl1pPr>
       <a:lvl2pPr algn="l" rtl="0" eaLnBrk="0" fontAlgn="base" hangingPunct="0">
@@ -2138,9 +2215,9 @@
           <a:solidFill>
             <a:schemeClr val="tx1"/>
           </a:solidFill>
-          <a:latin typeface="Verdana" panose="020B0604030504040204" pitchFamily="-110" charset="0"/>
-          <a:ea typeface="MS PGothic" pitchFamily="-110" charset="-128"/>
-          <a:cs typeface="MS PGothic" pitchFamily="-110" charset="-128"/>
+          <a:latin typeface="Verdana" pitchFamily="-110" charset="0"/>
+          <a:ea typeface="ＭＳ Ｐゴシック" pitchFamily="-110" charset="-128"/>
+          <a:cs typeface="ＭＳ Ｐゴシック" pitchFamily="-110" charset="-128"/>
         </a:defRPr>
       </a:lvl2pPr>
       <a:lvl3pPr algn="l" rtl="0" eaLnBrk="0" fontAlgn="base" hangingPunct="0">
@@ -2154,9 +2231,9 @@
           <a:solidFill>
             <a:schemeClr val="tx1"/>
           </a:solidFill>
-          <a:latin typeface="Verdana" panose="020B0604030504040204" pitchFamily="-110" charset="0"/>
-          <a:ea typeface="MS PGothic" pitchFamily="-110" charset="-128"/>
-          <a:cs typeface="MS PGothic" pitchFamily="-110" charset="-128"/>
+          <a:latin typeface="Verdana" pitchFamily="-110" charset="0"/>
+          <a:ea typeface="ＭＳ Ｐゴシック" pitchFamily="-110" charset="-128"/>
+          <a:cs typeface="ＭＳ Ｐゴシック" pitchFamily="-110" charset="-128"/>
         </a:defRPr>
       </a:lvl3pPr>
       <a:lvl4pPr algn="l" rtl="0" eaLnBrk="0" fontAlgn="base" hangingPunct="0">
@@ -2170,9 +2247,9 @@
           <a:solidFill>
             <a:schemeClr val="tx1"/>
           </a:solidFill>
-          <a:latin typeface="Verdana" panose="020B0604030504040204" pitchFamily="-110" charset="0"/>
-          <a:ea typeface="MS PGothic" pitchFamily="-110" charset="-128"/>
-          <a:cs typeface="MS PGothic" pitchFamily="-110" charset="-128"/>
+          <a:latin typeface="Verdana" pitchFamily="-110" charset="0"/>
+          <a:ea typeface="ＭＳ Ｐゴシック" pitchFamily="-110" charset="-128"/>
+          <a:cs typeface="ＭＳ Ｐゴシック" pitchFamily="-110" charset="-128"/>
         </a:defRPr>
       </a:lvl4pPr>
       <a:lvl5pPr algn="l" rtl="0" eaLnBrk="0" fontAlgn="base" hangingPunct="0">
@@ -2186,9 +2263,9 @@
           <a:solidFill>
             <a:schemeClr val="tx1"/>
           </a:solidFill>
-          <a:latin typeface="Verdana" panose="020B0604030504040204" pitchFamily="-110" charset="0"/>
-          <a:ea typeface="MS PGothic" pitchFamily="-110" charset="-128"/>
-          <a:cs typeface="MS PGothic" pitchFamily="-110" charset="-128"/>
+          <a:latin typeface="Verdana" pitchFamily="-110" charset="0"/>
+          <a:ea typeface="ＭＳ Ｐゴシック" pitchFamily="-110" charset="-128"/>
+          <a:cs typeface="ＭＳ Ｐゴシック" pitchFamily="-110" charset="-128"/>
         </a:defRPr>
       </a:lvl5pPr>
       <a:lvl6pPr marL="457200" algn="l" rtl="0" eaLnBrk="0" fontAlgn="base" hangingPunct="0">
@@ -2202,7 +2279,7 @@
           <a:solidFill>
             <a:schemeClr val="tx1"/>
           </a:solidFill>
-          <a:latin typeface="Verdana" panose="020B0604030504040204" pitchFamily="-110" charset="0"/>
+          <a:latin typeface="Verdana" pitchFamily="-110" charset="0"/>
         </a:defRPr>
       </a:lvl6pPr>
       <a:lvl7pPr marL="914400" algn="l" rtl="0" eaLnBrk="0" fontAlgn="base" hangingPunct="0">
@@ -2216,7 +2293,7 @@
           <a:solidFill>
             <a:schemeClr val="tx1"/>
           </a:solidFill>
-          <a:latin typeface="Verdana" panose="020B0604030504040204" pitchFamily="-110" charset="0"/>
+          <a:latin typeface="Verdana" pitchFamily="-110" charset="0"/>
         </a:defRPr>
       </a:lvl7pPr>
       <a:lvl8pPr marL="1371600" algn="l" rtl="0" eaLnBrk="0" fontAlgn="base" hangingPunct="0">
@@ -2230,7 +2307,7 @@
           <a:solidFill>
             <a:schemeClr val="tx1"/>
           </a:solidFill>
-          <a:latin typeface="Verdana" panose="020B0604030504040204" pitchFamily="-110" charset="0"/>
+          <a:latin typeface="Verdana" pitchFamily="-110" charset="0"/>
         </a:defRPr>
       </a:lvl8pPr>
       <a:lvl9pPr marL="1828800" algn="l" rtl="0" eaLnBrk="0" fontAlgn="base" hangingPunct="0">
@@ -2244,12 +2321,12 @@
           <a:solidFill>
             <a:schemeClr val="tx1"/>
           </a:solidFill>
-          <a:latin typeface="Verdana" panose="020B0604030504040204" pitchFamily="-110" charset="0"/>
+          <a:latin typeface="Verdana" pitchFamily="-110" charset="0"/>
         </a:defRPr>
       </a:lvl9pPr>
     </p:titleStyle>
     <p:bodyStyle>
-      <a:lvl1pPr marL="290830" indent="-290830" algn="l" rtl="0" eaLnBrk="0" fontAlgn="base" hangingPunct="0">
+      <a:lvl1pPr marL="290513" indent="-290513" algn="l" rtl="0" eaLnBrk="0" fontAlgn="base" hangingPunct="0">
         <a:spcBef>
           <a:spcPct val="20000"/>
         </a:spcBef>
@@ -2260,18 +2337,18 @@
           <a:schemeClr val="tx2"/>
         </a:buClr>
         <a:buSzPct val="65000"/>
-        <a:buFont typeface="Wingdings" panose="05000000000000000000" pitchFamily="2" charset="2"/>
+        <a:buFont typeface="Wingdings" pitchFamily="2" charset="2"/>
         <a:buChar char=""/>
         <a:defRPr sz="2400">
           <a:solidFill>
             <a:srgbClr val="000000"/>
           </a:solidFill>
           <a:latin typeface="+mn-lt"/>
-          <a:ea typeface="MS PGothic" pitchFamily="-110" charset="-128"/>
-          <a:cs typeface="MS PGothic" pitchFamily="-110" charset="-128"/>
+          <a:ea typeface="ＭＳ Ｐゴシック" pitchFamily="-110" charset="-128"/>
+          <a:cs typeface="ＭＳ Ｐゴシック" pitchFamily="-110" charset="-128"/>
         </a:defRPr>
       </a:lvl1pPr>
-      <a:lvl2pPr marL="633730" indent="-228600" algn="l" rtl="0" eaLnBrk="0" fontAlgn="base" hangingPunct="0">
+      <a:lvl2pPr marL="633413" indent="-228600" algn="l" rtl="0" eaLnBrk="0" fontAlgn="base" hangingPunct="0">
         <a:spcBef>
           <a:spcPct val="20000"/>
         </a:spcBef>
@@ -2287,11 +2364,11 @@
             <a:srgbClr val="000000"/>
           </a:solidFill>
           <a:latin typeface="+mn-lt"/>
-          <a:ea typeface="MS PGothic" pitchFamily="-110" charset="-128"/>
-          <a:cs typeface="MS PGothic"/>
+          <a:ea typeface="ＭＳ Ｐゴシック" pitchFamily="-110" charset="-128"/>
+          <a:cs typeface="ＭＳ Ｐゴシック"/>
         </a:defRPr>
       </a:lvl2pPr>
-      <a:lvl3pPr marL="970280" indent="-222250" algn="l" rtl="0" eaLnBrk="0" fontAlgn="base" hangingPunct="0">
+      <a:lvl3pPr marL="969963" indent="-222250" algn="l" rtl="0" eaLnBrk="0" fontAlgn="base" hangingPunct="0">
         <a:spcBef>
           <a:spcPct val="20000"/>
         </a:spcBef>
@@ -2304,11 +2381,11 @@
             <a:srgbClr val="000000"/>
           </a:solidFill>
           <a:latin typeface="+mn-lt"/>
-          <a:ea typeface="MS PGothic" pitchFamily="-110" charset="-128"/>
-          <a:cs typeface="MS PGothic"/>
+          <a:ea typeface="ＭＳ Ｐゴシック" pitchFamily="-110" charset="-128"/>
+          <a:cs typeface="ＭＳ Ｐゴシック"/>
         </a:defRPr>
       </a:lvl3pPr>
-      <a:lvl4pPr marL="1259205" indent="-228600" algn="l" rtl="0" eaLnBrk="0" fontAlgn="base" hangingPunct="0">
+      <a:lvl4pPr marL="1258888" indent="-228600" algn="l" rtl="0" eaLnBrk="0" fontAlgn="base" hangingPunct="0">
         <a:spcBef>
           <a:spcPct val="0"/>
         </a:spcBef>
@@ -2326,11 +2403,11 @@
             <a:srgbClr val="000000"/>
           </a:solidFill>
           <a:latin typeface="+mn-lt"/>
-          <a:ea typeface="MS PGothic" pitchFamily="-110" charset="-128"/>
-          <a:cs typeface="MS PGothic"/>
+          <a:ea typeface="ＭＳ Ｐゴシック" pitchFamily="-110" charset="-128"/>
+          <a:cs typeface="ＭＳ Ｐゴシック"/>
         </a:defRPr>
       </a:lvl4pPr>
-      <a:lvl5pPr marL="2056130" indent="-230505" algn="l" rtl="0" eaLnBrk="0" fontAlgn="base" hangingPunct="0">
+      <a:lvl5pPr marL="2055813" indent="-230188" algn="l" rtl="0" eaLnBrk="0" fontAlgn="base" hangingPunct="0">
         <a:spcBef>
           <a:spcPct val="20000"/>
         </a:spcBef>
@@ -2344,12 +2421,12 @@
           <a:solidFill>
             <a:schemeClr val="tx1"/>
           </a:solidFill>
-          <a:latin typeface="Times New Roman" panose="02020603050405020304" pitchFamily="-110" charset="0"/>
-          <a:ea typeface="MS PGothic" pitchFamily="-110" charset="-128"/>
-          <a:cs typeface="MS PGothic"/>
+          <a:latin typeface="Times New Roman" pitchFamily="-110" charset="0"/>
+          <a:ea typeface="ＭＳ Ｐゴシック" pitchFamily="-110" charset="-128"/>
+          <a:cs typeface="ＭＳ Ｐゴシック"/>
         </a:defRPr>
       </a:lvl5pPr>
-      <a:lvl6pPr marL="2513330" indent="-230505" algn="l" rtl="0" eaLnBrk="0" fontAlgn="base" hangingPunct="0">
+      <a:lvl6pPr marL="2513013" indent="-230188" algn="l" rtl="0" eaLnBrk="0" fontAlgn="base" hangingPunct="0">
         <a:spcBef>
           <a:spcPct val="20000"/>
         </a:spcBef>
@@ -2363,11 +2440,11 @@
           <a:solidFill>
             <a:schemeClr val="tx1"/>
           </a:solidFill>
-          <a:latin typeface="Times New Roman" panose="02020603050405020304" pitchFamily="-110" charset="0"/>
-          <a:ea typeface="MS PGothic" pitchFamily="-110" charset="-128"/>
+          <a:latin typeface="Times New Roman" pitchFamily="-110" charset="0"/>
+          <a:ea typeface="ＭＳ Ｐゴシック" pitchFamily="-110" charset="-128"/>
         </a:defRPr>
       </a:lvl6pPr>
-      <a:lvl7pPr marL="2970530" indent="-230505" algn="l" rtl="0" eaLnBrk="0" fontAlgn="base" hangingPunct="0">
+      <a:lvl7pPr marL="2970213" indent="-230188" algn="l" rtl="0" eaLnBrk="0" fontAlgn="base" hangingPunct="0">
         <a:spcBef>
           <a:spcPct val="20000"/>
         </a:spcBef>
@@ -2381,11 +2458,11 @@
           <a:solidFill>
             <a:schemeClr val="tx1"/>
           </a:solidFill>
-          <a:latin typeface="Times New Roman" panose="02020603050405020304" pitchFamily="-110" charset="0"/>
-          <a:ea typeface="MS PGothic" pitchFamily="-110" charset="-128"/>
+          <a:latin typeface="Times New Roman" pitchFamily="-110" charset="0"/>
+          <a:ea typeface="ＭＳ Ｐゴシック" pitchFamily="-110" charset="-128"/>
         </a:defRPr>
       </a:lvl7pPr>
-      <a:lvl8pPr marL="3427730" indent="-230505" algn="l" rtl="0" eaLnBrk="0" fontAlgn="base" hangingPunct="0">
+      <a:lvl8pPr marL="3427413" indent="-230188" algn="l" rtl="0" eaLnBrk="0" fontAlgn="base" hangingPunct="0">
         <a:spcBef>
           <a:spcPct val="20000"/>
         </a:spcBef>
@@ -2399,11 +2476,11 @@
           <a:solidFill>
             <a:schemeClr val="tx1"/>
           </a:solidFill>
-          <a:latin typeface="Times New Roman" panose="02020603050405020304" pitchFamily="-110" charset="0"/>
-          <a:ea typeface="MS PGothic" pitchFamily="-110" charset="-128"/>
+          <a:latin typeface="Times New Roman" pitchFamily="-110" charset="0"/>
+          <a:ea typeface="ＭＳ Ｐゴシック" pitchFamily="-110" charset="-128"/>
         </a:defRPr>
       </a:lvl8pPr>
-      <a:lvl9pPr marL="3884930" indent="-230505" algn="l" rtl="0" eaLnBrk="0" fontAlgn="base" hangingPunct="0">
+      <a:lvl9pPr marL="3884613" indent="-230188" algn="l" rtl="0" eaLnBrk="0" fontAlgn="base" hangingPunct="0">
         <a:spcBef>
           <a:spcPct val="20000"/>
         </a:spcBef>
@@ -2417,8 +2494,8 @@
           <a:solidFill>
             <a:schemeClr val="tx1"/>
           </a:solidFill>
-          <a:latin typeface="Times New Roman" panose="02020603050405020304" pitchFamily="-110" charset="0"/>
-          <a:ea typeface="MS PGothic" pitchFamily="-110" charset="-128"/>
+          <a:latin typeface="Times New Roman" pitchFamily="-110" charset="0"/>
+          <a:ea typeface="ＭＳ Ｐゴシック" pitchFamily="-110" charset="-128"/>
         </a:defRPr>
       </a:lvl9pPr>
     </p:bodyStyle>
@@ -2530,7 +2607,14 @@
         <p:cNvGrpSpPr/>
         <p:nvPr/>
       </p:nvGrpSpPr>
-      <p:grpSpPr/>
+      <p:grpSpPr>
+        <a:xfrm>
+          <a:off x="0" y="0"/>
+          <a:ext cx="0" cy="0"/>
+          <a:chOff x="0" y="0"/>
+          <a:chExt cx="0" cy="0"/>
+        </a:xfrm>
+      </p:grpSpPr>
       <p:sp>
         <p:nvSpPr>
           <p:cNvPr id="2" name="Subtitle 1"/>
@@ -2592,13 +2676,15 @@
         </p:nvSpPr>
         <p:spPr/>
         <p:txBody>
-          <a:bodyPr/>
-          <a:lstStyle/>
-          <a:p>
-            <a:pPr>
-              <a:defRPr sz="2700"/>
-            </a:pPr>
-            <a:r>
+          <a:bodyPr wrap="square">
+            <a:noAutofit/>
+          </a:bodyPr>
+          <a:lstStyle/>
+          <a:p>
+            <a:r>
+              <a:rPr sz="4200" b="1" i="0">
+                <a:latin typeface="Times New Roman"/>
+              </a:rPr>
               <a:t>Introduction to JavaScript Security</a:t>
             </a:r>
           </a:p>
@@ -2634,11 +2720,6 @@
               </a:rPr>
               <a:t>Copyright © 2021 by Elephant Scale, All Rights Reserved</a:t>
             </a:r>
-            <a:endParaRPr sz="800">
-              <a:solidFill>
-                <a:srgbClr val="000000"/>
-              </a:solidFill>
-            </a:endParaRPr>
           </a:p>
         </p:txBody>
       </p:sp>
@@ -2659,7 +2740,14 @@
         <p:cNvGrpSpPr/>
         <p:nvPr/>
       </p:nvGrpSpPr>
-      <p:grpSpPr/>
+      <p:grpSpPr>
+        <a:xfrm>
+          <a:off x="0" y="0"/>
+          <a:ext cx="0" cy="0"/>
+          <a:chOff x="0" y="0"/>
+          <a:chExt cx="0" cy="0"/>
+        </a:xfrm>
+      </p:grpSpPr>
       <p:sp>
         <p:nvSpPr>
           <p:cNvPr id="2" name="Title 1"/>
@@ -2766,11 +2854,6 @@
               </a:rPr>
               <a:t>Copyright © 2021 by Elephant Scale, All Rights Reserved</a:t>
             </a:r>
-            <a:endParaRPr sz="800">
-              <a:solidFill>
-                <a:srgbClr val="000000"/>
-              </a:solidFill>
-            </a:endParaRPr>
           </a:p>
         </p:txBody>
       </p:sp>
@@ -2791,7 +2874,14 @@
         <p:cNvGrpSpPr/>
         <p:nvPr/>
       </p:nvGrpSpPr>
-      <p:grpSpPr/>
+      <p:grpSpPr>
+        <a:xfrm>
+          <a:off x="0" y="0"/>
+          <a:ext cx="0" cy="0"/>
+          <a:chOff x="0" y="0"/>
+          <a:chExt cx="0" cy="0"/>
+        </a:xfrm>
+      </p:grpSpPr>
       <p:sp>
         <p:nvSpPr>
           <p:cNvPr id="2" name="Title 1"/>
@@ -2892,11 +2982,6 @@
               </a:rPr>
               <a:t>Copyright © 2021 by Elephant Scale, All Rights Reserved</a:t>
             </a:r>
-            <a:endParaRPr sz="800">
-              <a:solidFill>
-                <a:srgbClr val="000000"/>
-              </a:solidFill>
-            </a:endParaRPr>
           </a:p>
         </p:txBody>
       </p:sp>
@@ -2917,7 +3002,14 @@
         <p:cNvGrpSpPr/>
         <p:nvPr/>
       </p:nvGrpSpPr>
-      <p:grpSpPr/>
+      <p:grpSpPr>
+        <a:xfrm>
+          <a:off x="0" y="0"/>
+          <a:ext cx="0" cy="0"/>
+          <a:chOff x="0" y="0"/>
+          <a:chExt cx="0" cy="0"/>
+        </a:xfrm>
+      </p:grpSpPr>
       <p:sp>
         <p:nvSpPr>
           <p:cNvPr id="2" name="Title 1"/>
@@ -2968,9 +3060,15 @@
               <a:t> Example Policy:</a:t>
             </a:r>
           </a:p>
-          <a:p/>
-          <a:p/>
-          <a:p/>
+          <a:p>
+            <a:endParaRPr/>
+          </a:p>
+          <a:p>
+            <a:endParaRPr/>
+          </a:p>
+          <a:p>
+            <a:endParaRPr/>
+          </a:p>
         </p:txBody>
       </p:sp>
       <p:sp>
@@ -3003,11 +3101,6 @@
               </a:rPr>
               <a:t>Copyright © 2021 by Elephant Scale, All Rights Reserved</a:t>
             </a:r>
-            <a:endParaRPr sz="800">
-              <a:solidFill>
-                <a:srgbClr val="000000"/>
-              </a:solidFill>
-            </a:endParaRPr>
           </a:p>
         </p:txBody>
       </p:sp>
@@ -3020,7 +3113,7 @@
           <p:nvPr/>
         </p:nvPicPr>
         <p:blipFill>
-          <a:blip r:embed="rId1"/>
+          <a:blip r:embed="rId3"/>
           <a:stretch>
             <a:fillRect/>
           </a:stretch>
@@ -3052,7 +3145,14 @@
         <p:cNvGrpSpPr/>
         <p:nvPr/>
       </p:nvGrpSpPr>
-      <p:grpSpPr/>
+      <p:grpSpPr>
+        <a:xfrm>
+          <a:off x="0" y="0"/>
+          <a:ext cx="0" cy="0"/>
+          <a:chOff x="0" y="0"/>
+          <a:chExt cx="0" cy="0"/>
+        </a:xfrm>
+      </p:grpSpPr>
       <p:sp>
         <p:nvSpPr>
           <p:cNvPr id="2" name="Title 1"/>
@@ -3155,11 +3255,6 @@
               </a:rPr>
               <a:t>Copyright © 2021 by Elephant Scale, All Rights Reserved</a:t>
             </a:r>
-            <a:endParaRPr sz="800">
-              <a:solidFill>
-                <a:srgbClr val="000000"/>
-              </a:solidFill>
-            </a:endParaRPr>
           </a:p>
         </p:txBody>
       </p:sp>
@@ -3180,7 +3275,14 @@
         <p:cNvGrpSpPr/>
         <p:nvPr/>
       </p:nvGrpSpPr>
-      <p:grpSpPr/>
+      <p:grpSpPr>
+        <a:xfrm>
+          <a:off x="0" y="0"/>
+          <a:ext cx="0" cy="0"/>
+          <a:chOff x="0" y="0"/>
+          <a:chExt cx="0" cy="0"/>
+        </a:xfrm>
+      </p:grpSpPr>
       <p:sp>
         <p:nvSpPr>
           <p:cNvPr id="2" name="Subtitle 1"/>
@@ -3210,20 +3312,11 @@
             </a:r>
             <a:r>
               <a:t>Database Vulnerabilities
+Session Hijacking
+Distributed Denial of Service (DDoS)
+Data Protection
 </a:t>
             </a:r>
-            <a:r>
-              <a:t>Session Hijacking
-</a:t>
-            </a:r>
-            <a:r>
-              <a:t>Distributed Denial of Service (DDoS)
-</a:t>
-            </a:r>
-            <a:r>
-              <a:t>Data Protection
-</a:t>
-            </a:r>
           </a:p>
         </p:txBody>
       </p:sp>
@@ -3239,13 +3332,15 @@
         </p:nvSpPr>
         <p:spPr/>
         <p:txBody>
-          <a:bodyPr/>
-          <a:lstStyle/>
-          <a:p>
-            <a:pPr>
-              <a:defRPr sz="2700"/>
-            </a:pPr>
-            <a:r>
+          <a:bodyPr wrap="square">
+            <a:noAutofit/>
+          </a:bodyPr>
+          <a:lstStyle/>
+          <a:p>
+            <a:r>
+              <a:rPr sz="4200" b="1" i="0">
+                <a:latin typeface="Times New Roman"/>
+              </a:rPr>
               <a:t>Cross-Site Request Forgery</a:t>
             </a:r>
           </a:p>
@@ -3281,11 +3376,6 @@
               </a:rPr>
               <a:t>Copyright © 2021 by Elephant Scale, All Rights Reserved</a:t>
             </a:r>
-            <a:endParaRPr sz="800">
-              <a:solidFill>
-                <a:srgbClr val="000000"/>
-              </a:solidFill>
-            </a:endParaRPr>
           </a:p>
         </p:txBody>
       </p:sp>
@@ -3306,7 +3396,14 @@
         <p:cNvGrpSpPr/>
         <p:nvPr/>
       </p:nvGrpSpPr>
-      <p:grpSpPr/>
+      <p:grpSpPr>
+        <a:xfrm>
+          <a:off x="0" y="0"/>
+          <a:ext cx="0" cy="0"/>
+          <a:chOff x="0" y="0"/>
+          <a:chExt cx="0" cy="0"/>
+        </a:xfrm>
+      </p:grpSpPr>
       <p:sp>
         <p:nvSpPr>
           <p:cNvPr id="2" name="Title 1"/>
@@ -3404,11 +3501,6 @@
               </a:rPr>
               <a:t>Copyright © 2021 by Elephant Scale, All Rights Reserved</a:t>
             </a:r>
-            <a:endParaRPr sz="800">
-              <a:solidFill>
-                <a:srgbClr val="000000"/>
-              </a:solidFill>
-            </a:endParaRPr>
           </a:p>
         </p:txBody>
       </p:sp>
@@ -3429,7 +3521,14 @@
         <p:cNvGrpSpPr/>
         <p:nvPr/>
       </p:nvGrpSpPr>
-      <p:grpSpPr/>
+      <p:grpSpPr>
+        <a:xfrm>
+          <a:off x="0" y="0"/>
+          <a:ext cx="0" cy="0"/>
+          <a:chOff x="0" y="0"/>
+          <a:chExt cx="0" cy="0"/>
+        </a:xfrm>
+      </p:grpSpPr>
       <p:sp>
         <p:nvSpPr>
           <p:cNvPr id="2" name="Title 1"/>
@@ -3512,11 +3611,6 @@
               </a:rPr>
               <a:t>Copyright © 2021 by Elephant Scale, All Rights Reserved</a:t>
             </a:r>
-            <a:endParaRPr sz="800">
-              <a:solidFill>
-                <a:srgbClr val="000000"/>
-              </a:solidFill>
-            </a:endParaRPr>
           </a:p>
         </p:txBody>
       </p:sp>
@@ -3537,7 +3631,14 @@
         <p:cNvGrpSpPr/>
         <p:nvPr/>
       </p:nvGrpSpPr>
-      <p:grpSpPr/>
+      <p:grpSpPr>
+        <a:xfrm>
+          <a:off x="0" y="0"/>
+          <a:ext cx="0" cy="0"/>
+          <a:chOff x="0" y="0"/>
+          <a:chExt cx="0" cy="0"/>
+        </a:xfrm>
+      </p:grpSpPr>
       <p:sp>
         <p:nvSpPr>
           <p:cNvPr id="2" name="Title 1"/>
@@ -3625,11 +3726,6 @@
               </a:rPr>
               <a:t>Copyright © 2021 by Elephant Scale, All Rights Reserved</a:t>
             </a:r>
-            <a:endParaRPr sz="800">
-              <a:solidFill>
-                <a:srgbClr val="000000"/>
-              </a:solidFill>
-            </a:endParaRPr>
           </a:p>
         </p:txBody>
       </p:sp>
@@ -3650,7 +3746,14 @@
         <p:cNvGrpSpPr/>
         <p:nvPr/>
       </p:nvGrpSpPr>
-      <p:grpSpPr/>
+      <p:grpSpPr>
+        <a:xfrm>
+          <a:off x="0" y="0"/>
+          <a:ext cx="0" cy="0"/>
+          <a:chOff x="0" y="0"/>
+          <a:chExt cx="0" cy="0"/>
+        </a:xfrm>
+      </p:grpSpPr>
       <p:sp>
         <p:nvSpPr>
           <p:cNvPr id="2" name="Title 1"/>
@@ -3686,20 +3789,48 @@
         <p:txBody>
           <a:bodyPr/>
           <a:lstStyle/>
-          <a:p/>
-          <a:p/>
-          <a:p/>
-          <a:p/>
-          <a:p/>
-          <a:p/>
-          <a:p/>
-          <a:p/>
-          <a:p/>
-          <a:p/>
-          <a:p/>
-          <a:p/>
-          <a:p/>
-          <a:p/>
+          <a:p>
+            <a:endParaRPr/>
+          </a:p>
+          <a:p>
+            <a:endParaRPr/>
+          </a:p>
+          <a:p>
+            <a:endParaRPr/>
+          </a:p>
+          <a:p>
+            <a:endParaRPr/>
+          </a:p>
+          <a:p>
+            <a:endParaRPr/>
+          </a:p>
+          <a:p>
+            <a:endParaRPr/>
+          </a:p>
+          <a:p>
+            <a:endParaRPr/>
+          </a:p>
+          <a:p>
+            <a:endParaRPr/>
+          </a:p>
+          <a:p>
+            <a:endParaRPr/>
+          </a:p>
+          <a:p>
+            <a:endParaRPr/>
+          </a:p>
+          <a:p>
+            <a:endParaRPr/>
+          </a:p>
+          <a:p>
+            <a:endParaRPr/>
+          </a:p>
+          <a:p>
+            <a:endParaRPr/>
+          </a:p>
+          <a:p>
+            <a:endParaRPr/>
+          </a:p>
         </p:txBody>
       </p:sp>
       <p:sp>
@@ -3732,11 +3863,6 @@
               </a:rPr>
               <a:t>Copyright © 2021 by Elephant Scale, All Rights Reserved</a:t>
             </a:r>
-            <a:endParaRPr sz="800">
-              <a:solidFill>
-                <a:srgbClr val="000000"/>
-              </a:solidFill>
-            </a:endParaRPr>
           </a:p>
         </p:txBody>
       </p:sp>
@@ -3749,7 +3875,7 @@
           <p:nvPr/>
         </p:nvPicPr>
         <p:blipFill>
-          <a:blip r:embed="rId1"/>
+          <a:blip r:embed="rId2"/>
           <a:stretch>
             <a:fillRect/>
           </a:stretch>
@@ -3781,7 +3907,14 @@
         <p:cNvGrpSpPr/>
         <p:nvPr/>
       </p:nvGrpSpPr>
-      <p:grpSpPr/>
+      <p:grpSpPr>
+        <a:xfrm>
+          <a:off x="0" y="0"/>
+          <a:ext cx="0" cy="0"/>
+          <a:chOff x="0" y="0"/>
+          <a:chExt cx="0" cy="0"/>
+        </a:xfrm>
+      </p:grpSpPr>
       <p:sp>
         <p:nvSpPr>
           <p:cNvPr id="2" name="Title 1"/>
@@ -3864,11 +3997,6 @@
               </a:rPr>
               <a:t>Copyright © 2021 by Elephant Scale, All Rights Reserved</a:t>
             </a:r>
-            <a:endParaRPr sz="800">
-              <a:solidFill>
-                <a:srgbClr val="000000"/>
-              </a:solidFill>
-            </a:endParaRPr>
           </a:p>
         </p:txBody>
       </p:sp>
@@ -3889,7 +4017,14 @@
         <p:cNvGrpSpPr/>
         <p:nvPr/>
       </p:nvGrpSpPr>
-      <p:grpSpPr/>
+      <p:grpSpPr>
+        <a:xfrm>
+          <a:off x="0" y="0"/>
+          <a:ext cx="0" cy="0"/>
+          <a:chOff x="0" y="0"/>
+          <a:chExt cx="0" cy="0"/>
+        </a:xfrm>
+      </p:grpSpPr>
       <p:sp>
         <p:nvSpPr>
           <p:cNvPr id="2" name="Title 1"/>
@@ -3987,11 +4122,6 @@
               </a:rPr>
               <a:t>Copyright © 2021 by Elephant Scale, All Rights Reserved</a:t>
             </a:r>
-            <a:endParaRPr sz="800">
-              <a:solidFill>
-                <a:srgbClr val="000000"/>
-              </a:solidFill>
-            </a:endParaRPr>
           </a:p>
         </p:txBody>
       </p:sp>
@@ -4012,7 +4142,14 @@
         <p:cNvGrpSpPr/>
         <p:nvPr/>
       </p:nvGrpSpPr>
-      <p:grpSpPr/>
+      <p:grpSpPr>
+        <a:xfrm>
+          <a:off x="0" y="0"/>
+          <a:ext cx="0" cy="0"/>
+          <a:chOff x="0" y="0"/>
+          <a:chExt cx="0" cy="0"/>
+        </a:xfrm>
+      </p:grpSpPr>
       <p:sp>
         <p:nvSpPr>
           <p:cNvPr id="2" name="Title 1"/>
@@ -4050,11 +4187,24 @@
           <a:lstStyle/>
           <a:p>
             <a:r>
-              <a:t> Alice wants to transfer $100 to Bob via bank's website "bank.com"</a:t>
-            </a:r>
-          </a:p>
-          <a:p/>
-          <a:p/>
+              <a:rPr dirty="0"/>
+              <a:t> Alice wants to transfer $100 to Bob via bank's website "</a:t>
+            </a:r>
+            <a:r>
+              <a:rPr dirty="0" err="1"/>
+              <a:t>bank.com</a:t>
+            </a:r>
+            <a:r>
+              <a:rPr dirty="0"/>
+              <a:t>"</a:t>
+            </a:r>
+          </a:p>
+          <a:p>
+            <a:endParaRPr dirty="0"/>
+          </a:p>
+          <a:p>
+            <a:endParaRPr dirty="0"/>
+          </a:p>
         </p:txBody>
       </p:sp>
       <p:sp>
@@ -4087,11 +4237,6 @@
               </a:rPr>
               <a:t>Copyright © 2021 by Elephant Scale, All Rights Reserved</a:t>
             </a:r>
-            <a:endParaRPr sz="800">
-              <a:solidFill>
-                <a:srgbClr val="000000"/>
-              </a:solidFill>
-            </a:endParaRPr>
           </a:p>
         </p:txBody>
       </p:sp>
@@ -4104,14 +4249,14 @@
           <p:nvPr/>
         </p:nvPicPr>
         <p:blipFill>
-          <a:blip r:embed="rId1"/>
+          <a:blip r:embed="rId2"/>
           <a:stretch>
             <a:fillRect/>
           </a:stretch>
         </p:blipFill>
         <p:spPr>
           <a:xfrm>
-            <a:off x="0" y="1700784"/>
+            <a:off x="-28575" y="2287606"/>
             <a:ext cx="9372600" cy="740664"/>
           </a:xfrm>
           <a:prstGeom prst="rect">
@@ -4128,14 +4273,14 @@
           <p:nvPr/>
         </p:nvPicPr>
         <p:blipFill>
-          <a:blip r:embed="rId2"/>
+          <a:blip r:embed="rId3"/>
           <a:stretch>
             <a:fillRect/>
           </a:stretch>
         </p:blipFill>
         <p:spPr>
           <a:xfrm>
-            <a:off x="0" y="2971800"/>
+            <a:off x="0" y="3691731"/>
             <a:ext cx="9372600" cy="457200"/>
           </a:xfrm>
           <a:prstGeom prst="rect">
@@ -4160,7 +4305,14 @@
         <p:cNvGrpSpPr/>
         <p:nvPr/>
       </p:nvGrpSpPr>
-      <p:grpSpPr/>
+      <p:grpSpPr>
+        <a:xfrm>
+          <a:off x="0" y="0"/>
+          <a:ext cx="0" cy="0"/>
+          <a:chOff x="0" y="0"/>
+          <a:chExt cx="0" cy="0"/>
+        </a:xfrm>
+      </p:grpSpPr>
       <p:sp>
         <p:nvSpPr>
           <p:cNvPr id="2" name="Title 1"/>
@@ -4196,14 +4348,20 @@
         <p:txBody>
           <a:bodyPr/>
           <a:lstStyle/>
-          <a:p/>
-          <a:p/>
+          <a:p>
+            <a:endParaRPr/>
+          </a:p>
+          <a:p>
+            <a:endParaRPr/>
+          </a:p>
           <a:p>
             <a:r>
               <a:t> or</a:t>
             </a:r>
           </a:p>
-          <a:p/>
+          <a:p>
+            <a:endParaRPr/>
+          </a:p>
         </p:txBody>
       </p:sp>
       <p:sp>
@@ -4251,7 +4409,7 @@
           <p:nvPr/>
         </p:nvPicPr>
         <p:blipFill>
-          <a:blip r:embed="rId1"/>
+          <a:blip r:embed="rId2"/>
           <a:stretch>
             <a:fillRect/>
           </a:stretch>
@@ -4275,14 +4433,14 @@
           <p:nvPr/>
         </p:nvPicPr>
         <p:blipFill>
-          <a:blip r:embed="rId2"/>
+          <a:blip r:embed="rId3"/>
           <a:stretch>
             <a:fillRect/>
           </a:stretch>
         </p:blipFill>
         <p:spPr>
           <a:xfrm>
-            <a:off x="0" y="2231136"/>
+            <a:off x="-19050" y="2624931"/>
             <a:ext cx="8915400" cy="302592"/>
           </a:xfrm>
           <a:prstGeom prst="rect">
@@ -4307,7 +4465,14 @@
         <p:cNvGrpSpPr/>
         <p:nvPr/>
       </p:nvGrpSpPr>
-      <p:grpSpPr/>
+      <p:grpSpPr>
+        <a:xfrm>
+          <a:off x="0" y="0"/>
+          <a:ext cx="0" cy="0"/>
+          <a:chOff x="0" y="0"/>
+          <a:chExt cx="0" cy="0"/>
+        </a:xfrm>
+      </p:grpSpPr>
       <p:sp>
         <p:nvSpPr>
           <p:cNvPr id="2" name="Title 1"/>
@@ -4349,28 +4514,25 @@
             </a:r>
             <a:r>
               <a:rPr>
-                <a:latin typeface="Courier New" panose="02070309020205020404"/>
+                <a:latin typeface="Courier New"/>
               </a:rPr>
-              <a:t> POST http://bank.com/transfer.do HTTP/1.1</a:t>
-            </a:r>
-            <a:r>
-              <a:rPr>
-                <a:latin typeface="Courier New" panose="02070309020205020404"/>
-              </a:rPr>
-              <a:t> acct=BOB&amp;amount=100</a:t>
-            </a:r>
-            <a:endParaRPr>
-              <a:latin typeface="Courier New" panose="02070309020205020404"/>
-            </a:endParaRPr>
+              <a:t> POST http://bank.com/transfer.do HTTP/1.1 acct=BOB&amp;amount=100</a:t>
+            </a:r>
           </a:p>
           <a:p>
             <a:r>
               <a:t> Vulnerable request and wait for the victim to submit:</a:t>
             </a:r>
           </a:p>
-          <a:p/>
-          <a:p/>
-          <a:p/>
+          <a:p>
+            <a:endParaRPr/>
+          </a:p>
+          <a:p>
+            <a:endParaRPr/>
+          </a:p>
+          <a:p>
+            <a:endParaRPr/>
+          </a:p>
         </p:txBody>
       </p:sp>
       <p:sp>
@@ -4403,11 +4565,6 @@
               </a:rPr>
               <a:t>Copyright © 2021 by Elephant Scale, All Rights Reserved</a:t>
             </a:r>
-            <a:endParaRPr sz="800">
-              <a:solidFill>
-                <a:srgbClr val="000000"/>
-              </a:solidFill>
-            </a:endParaRPr>
           </a:p>
         </p:txBody>
       </p:sp>
@@ -4420,14 +4577,14 @@
           <p:nvPr/>
         </p:nvPicPr>
         <p:blipFill>
-          <a:blip r:embed="rId1"/>
+          <a:blip r:embed="rId2"/>
           <a:stretch>
             <a:fillRect/>
           </a:stretch>
         </p:blipFill>
         <p:spPr>
           <a:xfrm>
-            <a:off x="0" y="2185416"/>
+            <a:off x="0" y="2602721"/>
             <a:ext cx="9372600" cy="1773936"/>
           </a:xfrm>
           <a:prstGeom prst="rect">
@@ -4452,7 +4609,14 @@
         <p:cNvGrpSpPr/>
         <p:nvPr/>
       </p:nvGrpSpPr>
-      <p:grpSpPr/>
+      <p:grpSpPr>
+        <a:xfrm>
+          <a:off x="0" y="0"/>
+          <a:ext cx="0" cy="0"/>
+          <a:chOff x="0" y="0"/>
+          <a:chExt cx="0" cy="0"/>
+        </a:xfrm>
+      </p:grpSpPr>
       <p:sp>
         <p:nvSpPr>
           <p:cNvPr id="2" name="Title 1"/>
@@ -4493,8 +4657,12 @@
               <a:t> if you don't want to wait for the victim and send it automatically:</a:t>
             </a:r>
           </a:p>
-          <a:p/>
-          <a:p/>
+          <a:p>
+            <a:endParaRPr/>
+          </a:p>
+          <a:p>
+            <a:endParaRPr/>
+          </a:p>
         </p:txBody>
       </p:sp>
       <p:sp>
@@ -4527,11 +4695,6 @@
               </a:rPr>
               <a:t>Copyright © 2021 by Elephant Scale, All Rights Reserved</a:t>
             </a:r>
-            <a:endParaRPr sz="800">
-              <a:solidFill>
-                <a:srgbClr val="000000"/>
-              </a:solidFill>
-            </a:endParaRPr>
           </a:p>
         </p:txBody>
       </p:sp>
@@ -4544,7 +4707,7 @@
           <p:nvPr/>
         </p:nvPicPr>
         <p:blipFill>
-          <a:blip r:embed="rId1"/>
+          <a:blip r:embed="rId3"/>
           <a:stretch>
             <a:fillRect/>
           </a:stretch>
@@ -4576,7 +4739,14 @@
         <p:cNvGrpSpPr/>
         <p:nvPr/>
       </p:nvGrpSpPr>
-      <p:grpSpPr/>
+      <p:grpSpPr>
+        <a:xfrm>
+          <a:off x="0" y="0"/>
+          <a:ext cx="0" cy="0"/>
+          <a:chOff x="0" y="0"/>
+          <a:chExt cx="0" cy="0"/>
+        </a:xfrm>
+      </p:grpSpPr>
       <p:sp>
         <p:nvSpPr>
           <p:cNvPr id="2" name="Title 1"/>
@@ -4685,11 +4855,6 @@
               </a:rPr>
               <a:t>Copyright © 2021 by Elephant Scale, All Rights Reserved</a:t>
             </a:r>
-            <a:endParaRPr sz="800">
-              <a:solidFill>
-                <a:srgbClr val="000000"/>
-              </a:solidFill>
-            </a:endParaRPr>
           </a:p>
         </p:txBody>
       </p:sp>
@@ -4710,7 +4875,14 @@
         <p:cNvGrpSpPr/>
         <p:nvPr/>
       </p:nvGrpSpPr>
-      <p:grpSpPr/>
+      <p:grpSpPr>
+        <a:xfrm>
+          <a:off x="0" y="0"/>
+          <a:ext cx="0" cy="0"/>
+          <a:chOff x="0" y="0"/>
+          <a:chExt cx="0" cy="0"/>
+        </a:xfrm>
+      </p:grpSpPr>
       <p:sp>
         <p:nvSpPr>
           <p:cNvPr id="2" name="Title 1"/>
@@ -4803,11 +4975,6 @@
               </a:rPr>
               <a:t>Copyright © 2021 by Elephant Scale, All Rights Reserved</a:t>
             </a:r>
-            <a:endParaRPr sz="800">
-              <a:solidFill>
-                <a:srgbClr val="000000"/>
-              </a:solidFill>
-            </a:endParaRPr>
           </a:p>
         </p:txBody>
       </p:sp>
@@ -4828,7 +4995,14 @@
         <p:cNvGrpSpPr/>
         <p:nvPr/>
       </p:nvGrpSpPr>
-      <p:grpSpPr/>
+      <p:grpSpPr>
+        <a:xfrm>
+          <a:off x="0" y="0"/>
+          <a:ext cx="0" cy="0"/>
+          <a:chOff x="0" y="0"/>
+          <a:chExt cx="0" cy="0"/>
+        </a:xfrm>
+      </p:grpSpPr>
       <p:sp>
         <p:nvSpPr>
           <p:cNvPr id="2" name="Title 1"/>
@@ -4921,11 +5095,6 @@
               </a:rPr>
               <a:t>Copyright © 2021 by Elephant Scale, All Rights Reserved</a:t>
             </a:r>
-            <a:endParaRPr sz="800">
-              <a:solidFill>
-                <a:srgbClr val="000000"/>
-              </a:solidFill>
-            </a:endParaRPr>
           </a:p>
         </p:txBody>
       </p:sp>
@@ -4946,7 +5115,14 @@
         <p:cNvGrpSpPr/>
         <p:nvPr/>
       </p:nvGrpSpPr>
-      <p:grpSpPr/>
+      <p:grpSpPr>
+        <a:xfrm>
+          <a:off x="0" y="0"/>
+          <a:ext cx="0" cy="0"/>
+          <a:chOff x="0" y="0"/>
+          <a:chExt cx="0" cy="0"/>
+        </a:xfrm>
+      </p:grpSpPr>
       <p:sp>
         <p:nvSpPr>
           <p:cNvPr id="2" name="Subtitle 1"/>
@@ -4967,10 +5143,7 @@
             </a:pPr>
             <a:r>
               <a:t>Cross-Site Scripting (XSS)
-</a:t>
-            </a:r>
-            <a:r>
-              <a:t>Cross-Site Request Forgery
+Cross-Site Request Forgery
 </a:t>
             </a:r>
             <a:r>
@@ -4980,16 +5153,10 @@
             </a:r>
             <a:r>
               <a:t>Session Hijacking
+Distributed Denial of Service (DDoS)
+Data Protection
 </a:t>
             </a:r>
-            <a:r>
-              <a:t>Distributed Denial of Service (DDoS)
-</a:t>
-            </a:r>
-            <a:r>
-              <a:t>Data Protection
-</a:t>
-            </a:r>
           </a:p>
         </p:txBody>
       </p:sp>
@@ -5005,13 +5172,15 @@
         </p:nvSpPr>
         <p:spPr/>
         <p:txBody>
-          <a:bodyPr/>
-          <a:lstStyle/>
-          <a:p>
-            <a:pPr>
-              <a:defRPr sz="2700"/>
-            </a:pPr>
-            <a:r>
+          <a:bodyPr wrap="square">
+            <a:noAutofit/>
+          </a:bodyPr>
+          <a:lstStyle/>
+          <a:p>
+            <a:r>
+              <a:rPr sz="4200" b="1" i="0">
+                <a:latin typeface="Times New Roman"/>
+              </a:rPr>
               <a:t>Database Vulnerabilities</a:t>
             </a:r>
           </a:p>
@@ -5047,11 +5216,6 @@
               </a:rPr>
               <a:t>Copyright © 2021 by Elephant Scale, All Rights Reserved</a:t>
             </a:r>
-            <a:endParaRPr sz="800">
-              <a:solidFill>
-                <a:srgbClr val="000000"/>
-              </a:solidFill>
-            </a:endParaRPr>
           </a:p>
         </p:txBody>
       </p:sp>
@@ -5072,7 +5236,14 @@
         <p:cNvGrpSpPr/>
         <p:nvPr/>
       </p:nvGrpSpPr>
-      <p:grpSpPr/>
+      <p:grpSpPr>
+        <a:xfrm>
+          <a:off x="0" y="0"/>
+          <a:ext cx="0" cy="0"/>
+          <a:chOff x="0" y="0"/>
+          <a:chExt cx="0" cy="0"/>
+        </a:xfrm>
+      </p:grpSpPr>
       <p:sp>
         <p:nvSpPr>
           <p:cNvPr id="2" name="Title 1"/>
@@ -5157,11 +5328,6 @@
               </a:rPr>
               <a:t>Copyright © 2021 by Elephant Scale, All Rights Reserved</a:t>
             </a:r>
-            <a:endParaRPr sz="800">
-              <a:solidFill>
-                <a:srgbClr val="000000"/>
-              </a:solidFill>
-            </a:endParaRPr>
           </a:p>
         </p:txBody>
       </p:sp>
@@ -5182,7 +5348,14 @@
         <p:cNvGrpSpPr/>
         <p:nvPr/>
       </p:nvGrpSpPr>
-      <p:grpSpPr/>
+      <p:grpSpPr>
+        <a:xfrm>
+          <a:off x="0" y="0"/>
+          <a:ext cx="0" cy="0"/>
+          <a:chOff x="0" y="0"/>
+          <a:chExt cx="0" cy="0"/>
+        </a:xfrm>
+      </p:grpSpPr>
       <p:sp>
         <p:nvSpPr>
           <p:cNvPr id="2" name="Title 1"/>
@@ -5228,7 +5401,9 @@
               <a:t> A non-secure query with concatenation:</a:t>
             </a:r>
           </a:p>
-          <a:p/>
+          <a:p>
+            <a:endParaRPr/>
+          </a:p>
           <a:p>
             <a:r>
               <a:t> query gets the id from user and gives the address.</a:t>
@@ -5266,11 +5441,6 @@
               </a:rPr>
               <a:t>Copyright © 2021 by Elephant Scale, All Rights Reserved</a:t>
             </a:r>
-            <a:endParaRPr sz="800">
-              <a:solidFill>
-                <a:srgbClr val="000000"/>
-              </a:solidFill>
-            </a:endParaRPr>
           </a:p>
         </p:txBody>
       </p:sp>
@@ -5283,14 +5453,14 @@
           <p:nvPr/>
         </p:nvPicPr>
         <p:blipFill>
-          <a:blip r:embed="rId1"/>
+          <a:blip r:embed="rId2"/>
           <a:stretch>
             <a:fillRect/>
           </a:stretch>
         </p:blipFill>
         <p:spPr>
           <a:xfrm>
-            <a:off x="0" y="2167128"/>
+            <a:off x="0" y="2243931"/>
             <a:ext cx="9308592" cy="438912"/>
           </a:xfrm>
           <a:prstGeom prst="rect">
@@ -5315,7 +5485,14 @@
         <p:cNvGrpSpPr/>
         <p:nvPr/>
       </p:nvGrpSpPr>
-      <p:grpSpPr/>
+      <p:grpSpPr>
+        <a:xfrm>
+          <a:off x="0" y="0"/>
+          <a:ext cx="0" cy="0"/>
+          <a:chOff x="0" y="0"/>
+          <a:chExt cx="0" cy="0"/>
+        </a:xfrm>
+      </p:grpSpPr>
       <p:sp>
         <p:nvSpPr>
           <p:cNvPr id="2" name="Subtitle 1"/>
@@ -5341,24 +5518,12 @@
             </a:r>
             <a:r>
               <a:t>Cross-Site Request Forgery
+Database Vulnerabilities
+Session Hijacking
+Distributed Denial of Service (DDoS)
+Data Protection
 </a:t>
             </a:r>
-            <a:r>
-              <a:t>Database Vulnerabilities
-</a:t>
-            </a:r>
-            <a:r>
-              <a:t>Session Hijacking
-</a:t>
-            </a:r>
-            <a:r>
-              <a:t>Distributed Denial of Service (DDoS)
-</a:t>
-            </a:r>
-            <a:r>
-              <a:t>Data Protection
-</a:t>
-            </a:r>
           </a:p>
         </p:txBody>
       </p:sp>
@@ -5374,13 +5539,15 @@
         </p:nvSpPr>
         <p:spPr/>
         <p:txBody>
-          <a:bodyPr/>
-          <a:lstStyle/>
-          <a:p>
-            <a:pPr>
-              <a:defRPr sz="2700"/>
-            </a:pPr>
-            <a:r>
+          <a:bodyPr wrap="square">
+            <a:noAutofit/>
+          </a:bodyPr>
+          <a:lstStyle/>
+          <a:p>
+            <a:r>
+              <a:rPr sz="4200" b="1" i="0">
+                <a:latin typeface="Times New Roman"/>
+              </a:rPr>
               <a:t>Cross-Site Scripting (XSS)</a:t>
             </a:r>
           </a:p>
@@ -5416,11 +5583,6 @@
               </a:rPr>
               <a:t>Copyright © 2021 by Elephant Scale, All Rights Reserved</a:t>
             </a:r>
-            <a:endParaRPr sz="800">
-              <a:solidFill>
-                <a:srgbClr val="000000"/>
-              </a:solidFill>
-            </a:endParaRPr>
           </a:p>
         </p:txBody>
       </p:sp>
@@ -5441,7 +5603,14 @@
         <p:cNvGrpSpPr/>
         <p:nvPr/>
       </p:nvGrpSpPr>
-      <p:grpSpPr/>
+      <p:grpSpPr>
+        <a:xfrm>
+          <a:off x="0" y="0"/>
+          <a:ext cx="0" cy="0"/>
+          <a:chOff x="0" y="0"/>
+          <a:chExt cx="0" cy="0"/>
+        </a:xfrm>
+      </p:grpSpPr>
       <p:sp>
         <p:nvSpPr>
           <p:cNvPr id="2" name="Title 1"/>
@@ -5479,43 +5648,59 @@
           <a:lstStyle/>
           <a:p>
             <a:r>
+              <a:rPr dirty="0"/>
               <a:t> Normal user input: A number like 258</a:t>
             </a:r>
           </a:p>
           <a:p>
             <a:r>
+              <a:rPr dirty="0"/>
               <a:t> Resulting query:</a:t>
             </a:r>
             <a:r>
-              <a:rPr>
-                <a:latin typeface="Courier New" panose="02070309020205020404"/>
+              <a:rPr dirty="0">
+                <a:latin typeface="Courier New"/>
               </a:rPr>
               <a:t> SELECT address FROM users WHERE id = 258</a:t>
             </a:r>
-            <a:endParaRPr>
-              <a:latin typeface="Courier New" panose="02070309020205020404"/>
-            </a:endParaRPr>
-          </a:p>
-          <a:p>
-            <a:r>
+          </a:p>
+          <a:p>
+            <a:r>
+              <a:rPr dirty="0"/>
               <a:t> Malicious attacker input:</a:t>
             </a:r>
           </a:p>
           <a:p>
             <a:r>
+              <a:rPr dirty="0"/>
               <a:t> </a:t>
             </a:r>
           </a:p>
-          <a:p/>
-          <a:p>
-            <a:r>
-              <a:t> Resulting query:</a:t>
-            </a:r>
-          </a:p>
-          <a:p/>
-          <a:p/>
-          <a:p>
-            <a:r>
+          <a:p>
+            <a:endParaRPr dirty="0"/>
+          </a:p>
+          <a:p>
+            <a:r>
+              <a:rPr dirty="0"/>
+              <a:t> </a:t>
+            </a:r>
+            <a:endParaRPr lang="en-US" dirty="0"/>
+          </a:p>
+          <a:p>
+            <a:pPr marL="0" indent="0">
+              <a:buNone/>
+            </a:pPr>
+            <a:endParaRPr lang="en-US" dirty="0"/>
+          </a:p>
+          <a:p>
+            <a:r>
+              <a:rPr dirty="0"/>
+              <a:t>Resulting query:</a:t>
+            </a:r>
+          </a:p>
+          <a:p>
+            <a:r>
+              <a:rPr dirty="0"/>
               <a:t> Gets a list of all database tables</a:t>
             </a:r>
           </a:p>
@@ -5551,11 +5736,6 @@
               </a:rPr>
               <a:t>Copyright © 2021 by Elephant Scale, All Rights Reserved</a:t>
             </a:r>
-            <a:endParaRPr sz="800">
-              <a:solidFill>
-                <a:srgbClr val="000000"/>
-              </a:solidFill>
-            </a:endParaRPr>
           </a:p>
         </p:txBody>
       </p:sp>
@@ -5568,14 +5748,14 @@
           <p:nvPr/>
         </p:nvPicPr>
         <p:blipFill>
-          <a:blip r:embed="rId1"/>
+          <a:blip r:embed="rId2"/>
           <a:stretch>
             <a:fillRect/>
           </a:stretch>
         </p:blipFill>
         <p:spPr>
           <a:xfrm>
-            <a:off x="0" y="2185416"/>
+            <a:off x="0" y="2869652"/>
             <a:ext cx="9372600" cy="1161288"/>
           </a:xfrm>
           <a:prstGeom prst="rect">
@@ -5592,14 +5772,14 @@
           <p:nvPr/>
         </p:nvPicPr>
         <p:blipFill>
-          <a:blip r:embed="rId2"/>
+          <a:blip r:embed="rId3"/>
           <a:stretch>
             <a:fillRect/>
           </a:stretch>
         </p:blipFill>
         <p:spPr>
           <a:xfrm>
-            <a:off x="0" y="4334256"/>
+            <a:off x="-28575" y="5653645"/>
             <a:ext cx="9372600" cy="1527048"/>
           </a:xfrm>
           <a:prstGeom prst="rect">
@@ -5624,7 +5804,14 @@
         <p:cNvGrpSpPr/>
         <p:nvPr/>
       </p:nvGrpSpPr>
-      <p:grpSpPr/>
+      <p:grpSpPr>
+        <a:xfrm>
+          <a:off x="0" y="0"/>
+          <a:ext cx="0" cy="0"/>
+          <a:chOff x="0" y="0"/>
+          <a:chExt cx="0" cy="0"/>
+        </a:xfrm>
+      </p:grpSpPr>
       <p:sp>
         <p:nvSpPr>
           <p:cNvPr id="2" name="Title 1"/>
@@ -5662,29 +5849,49 @@
           <a:lstStyle/>
           <a:p>
             <a:r>
+              <a:rPr dirty="0"/>
               <a:t> Attacker input:</a:t>
             </a:r>
           </a:p>
           <a:p>
             <a:r>
-              <a:rPr>
-                <a:latin typeface="Courier New" panose="02070309020205020404"/>
+              <a:rPr dirty="0">
+                <a:latin typeface="Courier New"/>
               </a:rPr>
-              <a:t> 1 UNION SELECT "&lt;h1&gt;some text&lt;/h1&gt;" INTO OUTFILE "/home/website/public_html</a:t>
-            </a:r>
-            <a:endParaRPr>
-              <a:latin typeface="Courier New" panose="02070309020205020404"/>
+              <a:t> 1 UNION SELECT "&lt;h1&gt;some text&lt;/h1&gt;" INTO OUTFILE "/home/website/</a:t>
+            </a:r>
+            <a:r>
+              <a:rPr dirty="0" err="1">
+                <a:latin typeface="Courier New"/>
+              </a:rPr>
+              <a:t>public_html</a:t>
+            </a:r>
+            <a:endParaRPr dirty="0">
+              <a:latin typeface="Courier New"/>
             </a:endParaRPr>
           </a:p>
           <a:p>
             <a:r>
+              <a:rPr dirty="0"/>
               <a:t> Resulting query would be:</a:t>
             </a:r>
           </a:p>
-          <a:p/>
-          <a:p>
-            <a:r>
-              <a:t> It works with the right permission</a:t>
+          <a:p>
+            <a:endParaRPr dirty="0"/>
+          </a:p>
+          <a:p>
+            <a:pPr marL="0" indent="0">
+              <a:buNone/>
+            </a:pPr>
+            <a:endParaRPr lang="en-US" dirty="0"/>
+          </a:p>
+          <a:p>
+            <a:endParaRPr lang="en-US" dirty="0"/>
+          </a:p>
+          <a:p>
+            <a:r>
+              <a:rPr dirty="0"/>
+              <a:t>It works with the right permission</a:t>
             </a:r>
           </a:p>
         </p:txBody>
@@ -5719,11 +5926,6 @@
               </a:rPr>
               <a:t>Copyright © 2021 by Elephant Scale, All Rights Reserved</a:t>
             </a:r>
-            <a:endParaRPr sz="800">
-              <a:solidFill>
-                <a:srgbClr val="000000"/>
-              </a:solidFill>
-            </a:endParaRPr>
           </a:p>
         </p:txBody>
       </p:sp>
@@ -5736,14 +5938,14 @@
           <p:nvPr/>
         </p:nvPicPr>
         <p:blipFill>
-          <a:blip r:embed="rId1"/>
+          <a:blip r:embed="rId2"/>
           <a:stretch>
             <a:fillRect/>
           </a:stretch>
         </p:blipFill>
         <p:spPr>
           <a:xfrm>
-            <a:off x="0" y="2670048"/>
+            <a:off x="-9525" y="2929731"/>
             <a:ext cx="8915400" cy="250364"/>
           </a:xfrm>
           <a:prstGeom prst="rect">
@@ -5768,7 +5970,14 @@
         <p:cNvGrpSpPr/>
         <p:nvPr/>
       </p:nvGrpSpPr>
-      <p:grpSpPr/>
+      <p:grpSpPr>
+        <a:xfrm>
+          <a:off x="0" y="0"/>
+          <a:ext cx="0" cy="0"/>
+          <a:chOff x="0" y="0"/>
+          <a:chExt cx="0" cy="0"/>
+        </a:xfrm>
+      </p:grpSpPr>
       <p:sp>
         <p:nvSpPr>
           <p:cNvPr id="2" name="Title 1"/>
@@ -5806,18 +6015,12 @@
           <a:lstStyle/>
           <a:p>
             <a:r>
-              <a:t> If expected input is a number</a:t>
-            </a:r>
-            <a:r>
-              <a:t> Input validation will work by not allowing strings as input</a:t>
-            </a:r>
-          </a:p>
-          <a:p>
-            <a:r>
-              <a:t> If not</a:t>
-            </a:r>
-            <a:r>
-              <a:t> Prepared Statements or Parameterized Queries instead of concatenation</a:t>
+              <a:t> If expected input is a number Input validation will work by not allowing strings as input</a:t>
+            </a:r>
+          </a:p>
+          <a:p>
+            <a:r>
+              <a:t> If not Prepared Statements or Parameterized Queries instead of concatenation</a:t>
             </a:r>
           </a:p>
         </p:txBody>
@@ -5852,11 +6055,6 @@
               </a:rPr>
               <a:t>Copyright © 2021 by Elephant Scale, All Rights Reserved</a:t>
             </a:r>
-            <a:endParaRPr sz="800">
-              <a:solidFill>
-                <a:srgbClr val="000000"/>
-              </a:solidFill>
-            </a:endParaRPr>
           </a:p>
         </p:txBody>
       </p:sp>
@@ -5877,7 +6075,14 @@
         <p:cNvGrpSpPr/>
         <p:nvPr/>
       </p:nvGrpSpPr>
-      <p:grpSpPr/>
+      <p:grpSpPr>
+        <a:xfrm>
+          <a:off x="0" y="0"/>
+          <a:ext cx="0" cy="0"/>
+          <a:chOff x="0" y="0"/>
+          <a:chExt cx="0" cy="0"/>
+        </a:xfrm>
+      </p:grpSpPr>
       <p:sp>
         <p:nvSpPr>
           <p:cNvPr id="2" name="Title 1"/>
@@ -5973,11 +6178,6 @@
               </a:rPr>
               <a:t>Copyright © 2021 by Elephant Scale, All Rights Reserved</a:t>
             </a:r>
-            <a:endParaRPr sz="800">
-              <a:solidFill>
-                <a:srgbClr val="000000"/>
-              </a:solidFill>
-            </a:endParaRPr>
           </a:p>
         </p:txBody>
       </p:sp>
@@ -5998,7 +6198,14 @@
         <p:cNvGrpSpPr/>
         <p:nvPr/>
       </p:nvGrpSpPr>
-      <p:grpSpPr/>
+      <p:grpSpPr>
+        <a:xfrm>
+          <a:off x="0" y="0"/>
+          <a:ext cx="0" cy="0"/>
+          <a:chOff x="0" y="0"/>
+          <a:chExt cx="0" cy="0"/>
+        </a:xfrm>
+      </p:grpSpPr>
       <p:sp>
         <p:nvSpPr>
           <p:cNvPr id="2" name="Title 1"/>
@@ -6040,13 +6247,10 @@
             </a:r>
             <a:r>
               <a:rPr>
-                <a:latin typeface="Courier New" panose="02070309020205020404"/>
+                <a:latin typeface="Courier New"/>
               </a:rPr>
               <a:t> $where: 'this.UserID = ' + req.query.id</a:t>
             </a:r>
-            <a:endParaRPr>
-              <a:latin typeface="Courier New" panose="02070309020205020404"/>
-            </a:endParaRPr>
           </a:p>
           <a:p>
             <a:r>
@@ -6059,7 +6263,7 @@
             </a:r>
             <a:r>
               <a:rPr>
-                <a:latin typeface="Courier New" panose="02070309020205020404"/>
+                <a:latin typeface="Courier New"/>
               </a:rPr>
               <a:t> "0; return true"</a:t>
             </a:r>
@@ -6072,7 +6276,9 @@
               <a:t> The equivalent SQL query would be :</a:t>
             </a:r>
           </a:p>
-          <a:p/>
+          <a:p>
+            <a:endParaRPr/>
+          </a:p>
         </p:txBody>
       </p:sp>
       <p:sp>
@@ -6105,11 +6311,6 @@
               </a:rPr>
               <a:t>Copyright © 2021 by Elephant Scale, All Rights Reserved</a:t>
             </a:r>
-            <a:endParaRPr sz="800">
-              <a:solidFill>
-                <a:srgbClr val="000000"/>
-              </a:solidFill>
-            </a:endParaRPr>
           </a:p>
         </p:txBody>
       </p:sp>
@@ -6122,7 +6323,7 @@
           <p:nvPr/>
         </p:nvPicPr>
         <p:blipFill>
-          <a:blip r:embed="rId1"/>
+          <a:blip r:embed="rId2"/>
           <a:stretch>
             <a:fillRect/>
           </a:stretch>
@@ -6130,7 +6331,7 @@
         <p:spPr>
           <a:xfrm>
             <a:off x="0" y="2670048"/>
-            <a:ext cx="7874000" cy="520700"/>
+            <a:ext cx="7886700" cy="520700"/>
           </a:xfrm>
           <a:prstGeom prst="rect">
             <a:avLst/>
@@ -6154,7 +6355,14 @@
         <p:cNvGrpSpPr/>
         <p:nvPr/>
       </p:nvGrpSpPr>
-      <p:grpSpPr/>
+      <p:grpSpPr>
+        <a:xfrm>
+          <a:off x="0" y="0"/>
+          <a:ext cx="0" cy="0"/>
+          <a:chOff x="0" y="0"/>
+          <a:chExt cx="0" cy="0"/>
+        </a:xfrm>
+      </p:grpSpPr>
       <p:sp>
         <p:nvSpPr>
           <p:cNvPr id="2" name="Title 1"/>
@@ -6232,11 +6440,6 @@
               </a:rPr>
               <a:t>Copyright © 2021 by Elephant Scale, All Rights Reserved</a:t>
             </a:r>
-            <a:endParaRPr sz="800">
-              <a:solidFill>
-                <a:srgbClr val="000000"/>
-              </a:solidFill>
-            </a:endParaRPr>
           </a:p>
         </p:txBody>
       </p:sp>
@@ -6249,14 +6452,14 @@
           <p:nvPr/>
         </p:nvPicPr>
         <p:blipFill>
-          <a:blip r:embed="rId1"/>
+          <a:blip r:embed="rId3"/>
           <a:stretch>
             <a:fillRect/>
           </a:stretch>
         </p:blipFill>
         <p:spPr>
           <a:xfrm>
-            <a:off x="38100" y="2244217"/>
+            <a:off x="19050" y="1481931"/>
             <a:ext cx="9372600" cy="502920"/>
           </a:xfrm>
           <a:prstGeom prst="rect">
@@ -6281,7 +6484,14 @@
         <p:cNvGrpSpPr/>
         <p:nvPr/>
       </p:nvGrpSpPr>
-      <p:grpSpPr/>
+      <p:grpSpPr>
+        <a:xfrm>
+          <a:off x="0" y="0"/>
+          <a:ext cx="0" cy="0"/>
+          <a:chOff x="0" y="0"/>
+          <a:chExt cx="0" cy="0"/>
+        </a:xfrm>
+      </p:grpSpPr>
       <p:sp>
         <p:nvSpPr>
           <p:cNvPr id="2" name="Subtitle 1"/>
@@ -6302,14 +6512,8 @@
             </a:pPr>
             <a:r>
               <a:t>Cross-Site Scripting (XSS)
-</a:t>
-            </a:r>
-            <a:r>
-              <a:t>Cross-Site Request Forgery
-</a:t>
-            </a:r>
-            <a:r>
-              <a:t>Database Vulnerabilities
+Cross-Site Request Forgery
+Database Vulnerabilities
 </a:t>
             </a:r>
             <a:r>
@@ -6319,12 +6523,9 @@
             </a:r>
             <a:r>
               <a:t>Distributed Denial of Service (DDoS)
+Data Protection
 </a:t>
             </a:r>
-            <a:r>
-              <a:t>Data Protection
-</a:t>
-            </a:r>
           </a:p>
         </p:txBody>
       </p:sp>
@@ -6340,13 +6541,15 @@
         </p:nvSpPr>
         <p:spPr/>
         <p:txBody>
-          <a:bodyPr/>
-          <a:lstStyle/>
-          <a:p>
-            <a:pPr>
-              <a:defRPr sz="2700"/>
-            </a:pPr>
-            <a:r>
+          <a:bodyPr wrap="square">
+            <a:noAutofit/>
+          </a:bodyPr>
+          <a:lstStyle/>
+          <a:p>
+            <a:r>
+              <a:rPr sz="4200" b="1" i="0">
+                <a:latin typeface="Times New Roman"/>
+              </a:rPr>
               <a:t>Session Hijacking</a:t>
             </a:r>
           </a:p>
@@ -6382,11 +6585,6 @@
               </a:rPr>
               <a:t>Copyright © 2021 by Elephant Scale, All Rights Reserved</a:t>
             </a:r>
-            <a:endParaRPr sz="800">
-              <a:solidFill>
-                <a:srgbClr val="000000"/>
-              </a:solidFill>
-            </a:endParaRPr>
           </a:p>
         </p:txBody>
       </p:sp>
@@ -6407,7 +6605,14 @@
         <p:cNvGrpSpPr/>
         <p:nvPr/>
       </p:nvGrpSpPr>
-      <p:grpSpPr/>
+      <p:grpSpPr>
+        <a:xfrm>
+          <a:off x="0" y="0"/>
+          <a:ext cx="0" cy="0"/>
+          <a:chOff x="0" y="0"/>
+          <a:chExt cx="0" cy="0"/>
+        </a:xfrm>
+      </p:grpSpPr>
       <p:sp>
         <p:nvSpPr>
           <p:cNvPr id="2" name="Title 1"/>
@@ -6495,11 +6700,6 @@
               </a:rPr>
               <a:t>Copyright © 2021 by Elephant Scale, All Rights Reserved</a:t>
             </a:r>
-            <a:endParaRPr sz="800">
-              <a:solidFill>
-                <a:srgbClr val="000000"/>
-              </a:solidFill>
-            </a:endParaRPr>
           </a:p>
         </p:txBody>
       </p:sp>
@@ -6520,7 +6720,14 @@
         <p:cNvGrpSpPr/>
         <p:nvPr/>
       </p:nvGrpSpPr>
-      <p:grpSpPr/>
+      <p:grpSpPr>
+        <a:xfrm>
+          <a:off x="0" y="0"/>
+          <a:ext cx="0" cy="0"/>
+          <a:chOff x="0" y="0"/>
+          <a:chExt cx="0" cy="0"/>
+        </a:xfrm>
+      </p:grpSpPr>
       <p:sp>
         <p:nvSpPr>
           <p:cNvPr id="2" name="Title 1"/>
@@ -6608,11 +6815,6 @@
               </a:rPr>
               <a:t>Copyright © 2021 by Elephant Scale, All Rights Reserved</a:t>
             </a:r>
-            <a:endParaRPr sz="800">
-              <a:solidFill>
-                <a:srgbClr val="000000"/>
-              </a:solidFill>
-            </a:endParaRPr>
           </a:p>
         </p:txBody>
       </p:sp>
@@ -6633,7 +6835,14 @@
         <p:cNvGrpSpPr/>
         <p:nvPr/>
       </p:nvGrpSpPr>
-      <p:grpSpPr/>
+      <p:grpSpPr>
+        <a:xfrm>
+          <a:off x="0" y="0"/>
+          <a:ext cx="0" cy="0"/>
+          <a:chOff x="0" y="0"/>
+          <a:chExt cx="0" cy="0"/>
+        </a:xfrm>
+      </p:grpSpPr>
       <p:sp>
         <p:nvSpPr>
           <p:cNvPr id="2" name="Title 1"/>
@@ -6669,20 +6878,48 @@
         <p:txBody>
           <a:bodyPr/>
           <a:lstStyle/>
-          <a:p/>
-          <a:p/>
-          <a:p/>
-          <a:p/>
-          <a:p/>
-          <a:p/>
-          <a:p/>
-          <a:p/>
-          <a:p/>
-          <a:p/>
-          <a:p/>
-          <a:p/>
-          <a:p/>
-          <a:p/>
+          <a:p>
+            <a:endParaRPr/>
+          </a:p>
+          <a:p>
+            <a:endParaRPr/>
+          </a:p>
+          <a:p>
+            <a:endParaRPr/>
+          </a:p>
+          <a:p>
+            <a:endParaRPr/>
+          </a:p>
+          <a:p>
+            <a:endParaRPr/>
+          </a:p>
+          <a:p>
+            <a:endParaRPr/>
+          </a:p>
+          <a:p>
+            <a:endParaRPr/>
+          </a:p>
+          <a:p>
+            <a:endParaRPr/>
+          </a:p>
+          <a:p>
+            <a:endParaRPr/>
+          </a:p>
+          <a:p>
+            <a:endParaRPr/>
+          </a:p>
+          <a:p>
+            <a:endParaRPr/>
+          </a:p>
+          <a:p>
+            <a:endParaRPr/>
+          </a:p>
+          <a:p>
+            <a:endParaRPr/>
+          </a:p>
+          <a:p>
+            <a:endParaRPr/>
+          </a:p>
         </p:txBody>
       </p:sp>
       <p:sp>
@@ -6715,11 +6952,6 @@
               </a:rPr>
               <a:t>Copyright © 2021 by Elephant Scale, All Rights Reserved</a:t>
             </a:r>
-            <a:endParaRPr sz="800">
-              <a:solidFill>
-                <a:srgbClr val="000000"/>
-              </a:solidFill>
-            </a:endParaRPr>
           </a:p>
         </p:txBody>
       </p:sp>
@@ -6732,7 +6964,7 @@
           <p:nvPr/>
         </p:nvPicPr>
         <p:blipFill>
-          <a:blip r:embed="rId1"/>
+          <a:blip r:embed="rId2"/>
           <a:stretch>
             <a:fillRect/>
           </a:stretch>
@@ -6764,7 +6996,14 @@
         <p:cNvGrpSpPr/>
         <p:nvPr/>
       </p:nvGrpSpPr>
-      <p:grpSpPr/>
+      <p:grpSpPr>
+        <a:xfrm>
+          <a:off x="0" y="0"/>
+          <a:ext cx="0" cy="0"/>
+          <a:chOff x="0" y="0"/>
+          <a:chExt cx="0" cy="0"/>
+        </a:xfrm>
+      </p:grpSpPr>
       <p:sp>
         <p:nvSpPr>
           <p:cNvPr id="2" name="Title 1"/>
@@ -6883,11 +7122,6 @@
               </a:rPr>
               <a:t>Copyright © 2021 by Elephant Scale, All Rights Reserved</a:t>
             </a:r>
-            <a:endParaRPr sz="800">
-              <a:solidFill>
-                <a:srgbClr val="000000"/>
-              </a:solidFill>
-            </a:endParaRPr>
           </a:p>
         </p:txBody>
       </p:sp>
@@ -6908,7 +7142,14 @@
         <p:cNvGrpSpPr/>
         <p:nvPr/>
       </p:nvGrpSpPr>
-      <p:grpSpPr/>
+      <p:grpSpPr>
+        <a:xfrm>
+          <a:off x="0" y="0"/>
+          <a:ext cx="0" cy="0"/>
+          <a:chOff x="0" y="0"/>
+          <a:chExt cx="0" cy="0"/>
+        </a:xfrm>
+      </p:grpSpPr>
       <p:sp>
         <p:nvSpPr>
           <p:cNvPr id="2" name="Title 1"/>
@@ -7017,11 +7258,6 @@
               </a:rPr>
               <a:t>Copyright © 2021 by Elephant Scale, All Rights Reserved</a:t>
             </a:r>
-            <a:endParaRPr sz="800">
-              <a:solidFill>
-                <a:srgbClr val="000000"/>
-              </a:solidFill>
-            </a:endParaRPr>
           </a:p>
         </p:txBody>
       </p:sp>
@@ -7042,7 +7278,14 @@
         <p:cNvGrpSpPr/>
         <p:nvPr/>
       </p:nvGrpSpPr>
-      <p:grpSpPr/>
+      <p:grpSpPr>
+        <a:xfrm>
+          <a:off x="0" y="0"/>
+          <a:ext cx="0" cy="0"/>
+          <a:chOff x="0" y="0"/>
+          <a:chExt cx="0" cy="0"/>
+        </a:xfrm>
+      </p:grpSpPr>
       <p:sp>
         <p:nvSpPr>
           <p:cNvPr id="2" name="Subtitle 1"/>
@@ -7063,18 +7306,9 @@
             </a:pPr>
             <a:r>
               <a:t>Cross-Site Scripting (XSS)
-</a:t>
-            </a:r>
-            <a:r>
-              <a:t>Cross-Site Request Forgery
-</a:t>
-            </a:r>
-            <a:r>
-              <a:t>Database Vulnerabilities
-</a:t>
-            </a:r>
-            <a:r>
-              <a:t>Session Hijacking
+Cross-Site Request Forgery
+Database Vulnerabilities
+Session Hijacking
 </a:t>
             </a:r>
             <a:r>
@@ -7101,13 +7335,15 @@
         </p:nvSpPr>
         <p:spPr/>
         <p:txBody>
-          <a:bodyPr/>
-          <a:lstStyle/>
-          <a:p>
-            <a:pPr>
-              <a:defRPr sz="2700"/>
-            </a:pPr>
-            <a:r>
+          <a:bodyPr wrap="square">
+            <a:noAutofit/>
+          </a:bodyPr>
+          <a:lstStyle/>
+          <a:p>
+            <a:r>
+              <a:rPr sz="4200" b="1" i="0">
+                <a:latin typeface="Times New Roman"/>
+              </a:rPr>
               <a:t>Distributed Denial of Service (DDoS)</a:t>
             </a:r>
           </a:p>
@@ -7143,11 +7379,6 @@
               </a:rPr>
               <a:t>Copyright © 2021 by Elephant Scale, All Rights Reserved</a:t>
             </a:r>
-            <a:endParaRPr sz="800">
-              <a:solidFill>
-                <a:srgbClr val="000000"/>
-              </a:solidFill>
-            </a:endParaRPr>
           </a:p>
         </p:txBody>
       </p:sp>
@@ -7168,7 +7399,14 @@
         <p:cNvGrpSpPr/>
         <p:nvPr/>
       </p:nvGrpSpPr>
-      <p:grpSpPr/>
+      <p:grpSpPr>
+        <a:xfrm>
+          <a:off x="0" y="0"/>
+          <a:ext cx="0" cy="0"/>
+          <a:chOff x="0" y="0"/>
+          <a:chExt cx="0" cy="0"/>
+        </a:xfrm>
+      </p:grpSpPr>
       <p:sp>
         <p:nvSpPr>
           <p:cNvPr id="2" name="Title 1"/>
@@ -7251,11 +7489,6 @@
               </a:rPr>
               <a:t>Copyright © 2021 by Elephant Scale, All Rights Reserved</a:t>
             </a:r>
-            <a:endParaRPr sz="800">
-              <a:solidFill>
-                <a:srgbClr val="000000"/>
-              </a:solidFill>
-            </a:endParaRPr>
           </a:p>
         </p:txBody>
       </p:sp>
@@ -7276,7 +7509,14 @@
         <p:cNvGrpSpPr/>
         <p:nvPr/>
       </p:nvGrpSpPr>
-      <p:grpSpPr/>
+      <p:grpSpPr>
+        <a:xfrm>
+          <a:off x="0" y="0"/>
+          <a:ext cx="0" cy="0"/>
+          <a:chOff x="0" y="0"/>
+          <a:chExt cx="0" cy="0"/>
+        </a:xfrm>
+      </p:grpSpPr>
       <p:sp>
         <p:nvSpPr>
           <p:cNvPr id="2" name="Title 1"/>
@@ -7312,9 +7552,15 @@
         <p:txBody>
           <a:bodyPr/>
           <a:lstStyle/>
-          <a:p/>
-          <a:p/>
-          <a:p/>
+          <a:p>
+            <a:endParaRPr/>
+          </a:p>
+          <a:p>
+            <a:endParaRPr/>
+          </a:p>
+          <a:p>
+            <a:endParaRPr/>
+          </a:p>
         </p:txBody>
       </p:sp>
       <p:sp>
@@ -7347,11 +7593,6 @@
               </a:rPr>
               <a:t>Copyright © 2021 by Elephant Scale, All Rights Reserved</a:t>
             </a:r>
-            <a:endParaRPr sz="800">
-              <a:solidFill>
-                <a:srgbClr val="000000"/>
-              </a:solidFill>
-            </a:endParaRPr>
           </a:p>
         </p:txBody>
       </p:sp>
@@ -7364,7 +7605,7 @@
           <p:nvPr/>
         </p:nvPicPr>
         <p:blipFill>
-          <a:blip r:embed="rId1"/>
+          <a:blip r:embed="rId2"/>
           <a:stretch>
             <a:fillRect/>
           </a:stretch>
@@ -7396,7 +7637,14 @@
         <p:cNvGrpSpPr/>
         <p:nvPr/>
       </p:nvGrpSpPr>
-      <p:grpSpPr/>
+      <p:grpSpPr>
+        <a:xfrm>
+          <a:off x="0" y="0"/>
+          <a:ext cx="0" cy="0"/>
+          <a:chOff x="0" y="0"/>
+          <a:chExt cx="0" cy="0"/>
+        </a:xfrm>
+      </p:grpSpPr>
       <p:sp>
         <p:nvSpPr>
           <p:cNvPr id="2" name="Title 1"/>
@@ -7474,11 +7722,6 @@
               </a:rPr>
               <a:t>Copyright © 2021 by Elephant Scale, All Rights Reserved</a:t>
             </a:r>
-            <a:endParaRPr sz="800">
-              <a:solidFill>
-                <a:srgbClr val="000000"/>
-              </a:solidFill>
-            </a:endParaRPr>
           </a:p>
         </p:txBody>
       </p:sp>
@@ -7499,7 +7742,14 @@
         <p:cNvGrpSpPr/>
         <p:nvPr/>
       </p:nvGrpSpPr>
-      <p:grpSpPr/>
+      <p:grpSpPr>
+        <a:xfrm>
+          <a:off x="0" y="0"/>
+          <a:ext cx="0" cy="0"/>
+          <a:chOff x="0" y="0"/>
+          <a:chExt cx="0" cy="0"/>
+        </a:xfrm>
+      </p:grpSpPr>
       <p:sp>
         <p:nvSpPr>
           <p:cNvPr id="2" name="Title 1"/>
@@ -7535,17 +7785,39 @@
         <p:txBody>
           <a:bodyPr/>
           <a:lstStyle/>
-          <a:p/>
-          <a:p/>
-          <a:p/>
-          <a:p/>
-          <a:p/>
-          <a:p/>
-          <a:p/>
-          <a:p/>
-          <a:p/>
-          <a:p/>
-          <a:p/>
+          <a:p>
+            <a:endParaRPr/>
+          </a:p>
+          <a:p>
+            <a:endParaRPr/>
+          </a:p>
+          <a:p>
+            <a:endParaRPr/>
+          </a:p>
+          <a:p>
+            <a:endParaRPr/>
+          </a:p>
+          <a:p>
+            <a:endParaRPr/>
+          </a:p>
+          <a:p>
+            <a:endParaRPr/>
+          </a:p>
+          <a:p>
+            <a:endParaRPr/>
+          </a:p>
+          <a:p>
+            <a:endParaRPr/>
+          </a:p>
+          <a:p>
+            <a:endParaRPr/>
+          </a:p>
+          <a:p>
+            <a:endParaRPr/>
+          </a:p>
+          <a:p>
+            <a:endParaRPr/>
+          </a:p>
         </p:txBody>
       </p:sp>
       <p:sp>
@@ -7578,11 +7850,6 @@
               </a:rPr>
               <a:t>Copyright © 2021 by Elephant Scale, All Rights Reserved</a:t>
             </a:r>
-            <a:endParaRPr sz="800">
-              <a:solidFill>
-                <a:srgbClr val="000000"/>
-              </a:solidFill>
-            </a:endParaRPr>
           </a:p>
         </p:txBody>
       </p:sp>
@@ -7595,7 +7862,7 @@
           <p:nvPr/>
         </p:nvPicPr>
         <p:blipFill>
-          <a:blip r:embed="rId1"/>
+          <a:blip r:embed="rId2"/>
           <a:stretch>
             <a:fillRect/>
           </a:stretch>
@@ -7627,7 +7894,14 @@
         <p:cNvGrpSpPr/>
         <p:nvPr/>
       </p:nvGrpSpPr>
-      <p:grpSpPr/>
+      <p:grpSpPr>
+        <a:xfrm>
+          <a:off x="0" y="0"/>
+          <a:ext cx="0" cy="0"/>
+          <a:chOff x="0" y="0"/>
+          <a:chExt cx="0" cy="0"/>
+        </a:xfrm>
+      </p:grpSpPr>
       <p:sp>
         <p:nvSpPr>
           <p:cNvPr id="2" name="Title 1"/>
@@ -7700,11 +7974,6 @@
               </a:rPr>
               <a:t>Copyright © 2021 by Elephant Scale, All Rights Reserved</a:t>
             </a:r>
-            <a:endParaRPr sz="800">
-              <a:solidFill>
-                <a:srgbClr val="000000"/>
-              </a:solidFill>
-            </a:endParaRPr>
           </a:p>
         </p:txBody>
       </p:sp>
@@ -7725,7 +7994,14 @@
         <p:cNvGrpSpPr/>
         <p:nvPr/>
       </p:nvGrpSpPr>
-      <p:grpSpPr/>
+      <p:grpSpPr>
+        <a:xfrm>
+          <a:off x="0" y="0"/>
+          <a:ext cx="0" cy="0"/>
+          <a:chOff x="0" y="0"/>
+          <a:chExt cx="0" cy="0"/>
+        </a:xfrm>
+      </p:grpSpPr>
       <p:sp>
         <p:nvSpPr>
           <p:cNvPr id="2" name="Subtitle 1"/>
@@ -7746,22 +8022,10 @@
             </a:pPr>
             <a:r>
               <a:t>Cross-Site Scripting (XSS)
-</a:t>
-            </a:r>
-            <a:r>
-              <a:t>Cross-Site Request Forgery
-</a:t>
-            </a:r>
-            <a:r>
-              <a:t>Database Vulnerabilities
-</a:t>
-            </a:r>
-            <a:r>
-              <a:t>Session Hijacking
-</a:t>
-            </a:r>
-            <a:r>
-              <a:t>Distributed Denial of Service (DDoS)
+Cross-Site Request Forgery
+Database Vulnerabilities
+Session Hijacking
+Distributed Denial of Service (DDoS)
 </a:t>
             </a:r>
             <a:r>
@@ -7769,7 +8033,6 @@
               <a:t>Data Protection
 </a:t>
             </a:r>
-            <a:endParaRPr b="1"/>
           </a:p>
         </p:txBody>
       </p:sp>
@@ -7785,13 +8048,15 @@
         </p:nvSpPr>
         <p:spPr/>
         <p:txBody>
-          <a:bodyPr/>
-          <a:lstStyle/>
-          <a:p>
-            <a:pPr>
-              <a:defRPr sz="2700"/>
-            </a:pPr>
-            <a:r>
+          <a:bodyPr wrap="square">
+            <a:noAutofit/>
+          </a:bodyPr>
+          <a:lstStyle/>
+          <a:p>
+            <a:r>
+              <a:rPr sz="4200" b="1" i="0">
+                <a:latin typeface="Times New Roman"/>
+              </a:rPr>
               <a:t>Data Protection</a:t>
             </a:r>
           </a:p>
@@ -7827,11 +8092,6 @@
               </a:rPr>
               <a:t>Copyright © 2021 by Elephant Scale, All Rights Reserved</a:t>
             </a:r>
-            <a:endParaRPr sz="800">
-              <a:solidFill>
-                <a:srgbClr val="000000"/>
-              </a:solidFill>
-            </a:endParaRPr>
           </a:p>
         </p:txBody>
       </p:sp>
@@ -7852,7 +8112,14 @@
         <p:cNvGrpSpPr/>
         <p:nvPr/>
       </p:nvGrpSpPr>
-      <p:grpSpPr/>
+      <p:grpSpPr>
+        <a:xfrm>
+          <a:off x="0" y="0"/>
+          <a:ext cx="0" cy="0"/>
+          <a:chOff x="0" y="0"/>
+          <a:chExt cx="0" cy="0"/>
+        </a:xfrm>
+      </p:grpSpPr>
       <p:sp>
         <p:nvSpPr>
           <p:cNvPr id="2" name="Title 1"/>
@@ -7948,11 +8215,6 @@
               </a:rPr>
               <a:t>Copyright © 2021 by Elephant Scale, All Rights Reserved</a:t>
             </a:r>
-            <a:endParaRPr sz="800">
-              <a:solidFill>
-                <a:srgbClr val="000000"/>
-              </a:solidFill>
-            </a:endParaRPr>
           </a:p>
         </p:txBody>
       </p:sp>
@@ -7973,7 +8235,14 @@
         <p:cNvGrpSpPr/>
         <p:nvPr/>
       </p:nvGrpSpPr>
-      <p:grpSpPr/>
+      <p:grpSpPr>
+        <a:xfrm>
+          <a:off x="0" y="0"/>
+          <a:ext cx="0" cy="0"/>
+          <a:chOff x="0" y="0"/>
+          <a:chExt cx="0" cy="0"/>
+        </a:xfrm>
+      </p:grpSpPr>
       <p:sp>
         <p:nvSpPr>
           <p:cNvPr id="2" name="Title 1"/>
@@ -8051,11 +8320,6 @@
               </a:rPr>
               <a:t>Copyright © 2021 by Elephant Scale, All Rights Reserved</a:t>
             </a:r>
-            <a:endParaRPr sz="800">
-              <a:solidFill>
-                <a:srgbClr val="000000"/>
-              </a:solidFill>
-            </a:endParaRPr>
           </a:p>
         </p:txBody>
       </p:sp>
@@ -8076,7 +8340,14 @@
         <p:cNvGrpSpPr/>
         <p:nvPr/>
       </p:nvGrpSpPr>
-      <p:grpSpPr/>
+      <p:grpSpPr>
+        <a:xfrm>
+          <a:off x="0" y="0"/>
+          <a:ext cx="0" cy="0"/>
+          <a:chOff x="0" y="0"/>
+          <a:chExt cx="0" cy="0"/>
+        </a:xfrm>
+      </p:grpSpPr>
       <p:sp>
         <p:nvSpPr>
           <p:cNvPr id="2" name="Title 1"/>
@@ -8112,20 +8383,48 @@
         <p:txBody>
           <a:bodyPr/>
           <a:lstStyle/>
-          <a:p/>
-          <a:p/>
-          <a:p/>
-          <a:p/>
-          <a:p/>
-          <a:p/>
-          <a:p/>
-          <a:p/>
-          <a:p/>
-          <a:p/>
-          <a:p/>
-          <a:p/>
-          <a:p/>
-          <a:p/>
+          <a:p>
+            <a:endParaRPr/>
+          </a:p>
+          <a:p>
+            <a:endParaRPr/>
+          </a:p>
+          <a:p>
+            <a:endParaRPr/>
+          </a:p>
+          <a:p>
+            <a:endParaRPr/>
+          </a:p>
+          <a:p>
+            <a:endParaRPr/>
+          </a:p>
+          <a:p>
+            <a:endParaRPr/>
+          </a:p>
+          <a:p>
+            <a:endParaRPr/>
+          </a:p>
+          <a:p>
+            <a:endParaRPr/>
+          </a:p>
+          <a:p>
+            <a:endParaRPr/>
+          </a:p>
+          <a:p>
+            <a:endParaRPr/>
+          </a:p>
+          <a:p>
+            <a:endParaRPr/>
+          </a:p>
+          <a:p>
+            <a:endParaRPr/>
+          </a:p>
+          <a:p>
+            <a:endParaRPr/>
+          </a:p>
+          <a:p>
+            <a:endParaRPr/>
+          </a:p>
         </p:txBody>
       </p:sp>
       <p:sp>
@@ -8158,11 +8457,6 @@
               </a:rPr>
               <a:t>Copyright © 2021 by Elephant Scale, All Rights Reserved</a:t>
             </a:r>
-            <a:endParaRPr sz="800">
-              <a:solidFill>
-                <a:srgbClr val="000000"/>
-              </a:solidFill>
-            </a:endParaRPr>
           </a:p>
         </p:txBody>
       </p:sp>
@@ -8175,7 +8469,7 @@
           <p:nvPr/>
         </p:nvPicPr>
         <p:blipFill>
-          <a:blip r:embed="rId1"/>
+          <a:blip r:embed="rId2"/>
           <a:stretch>
             <a:fillRect/>
           </a:stretch>
@@ -8207,7 +8501,14 @@
         <p:cNvGrpSpPr/>
         <p:nvPr/>
       </p:nvGrpSpPr>
-      <p:grpSpPr/>
+      <p:grpSpPr>
+        <a:xfrm>
+          <a:off x="0" y="0"/>
+          <a:ext cx="0" cy="0"/>
+          <a:chOff x="0" y="0"/>
+          <a:chExt cx="0" cy="0"/>
+        </a:xfrm>
+      </p:grpSpPr>
       <p:sp>
         <p:nvSpPr>
           <p:cNvPr id="2" name="Title 1"/>
@@ -8249,7 +8550,7 @@
             </a:r>
             <a:r>
               <a:rPr>
-                <a:latin typeface="Courier New" panose="02070309020205020404"/>
+                <a:latin typeface="Courier New"/>
               </a:rPr>
               <a:t> TODO</a:t>
             </a:r>
@@ -8262,7 +8563,9 @@
               <a:t> Do not comment credentials:</a:t>
             </a:r>
           </a:p>
-          <a:p/>
+          <a:p>
+            <a:endParaRPr/>
+          </a:p>
         </p:txBody>
       </p:sp>
       <p:sp>
@@ -8295,11 +8598,6 @@
               </a:rPr>
               <a:t>Copyright © 2021 by Elephant Scale, All Rights Reserved</a:t>
             </a:r>
-            <a:endParaRPr sz="800">
-              <a:solidFill>
-                <a:srgbClr val="000000"/>
-              </a:solidFill>
-            </a:endParaRPr>
           </a:p>
         </p:txBody>
       </p:sp>
@@ -8312,14 +8610,14 @@
           <p:nvPr/>
         </p:nvPicPr>
         <p:blipFill>
-          <a:blip r:embed="rId1"/>
+          <a:blip r:embed="rId2"/>
           <a:stretch>
             <a:fillRect/>
           </a:stretch>
         </p:blipFill>
         <p:spPr>
           <a:xfrm>
-            <a:off x="-38100" y="2244344"/>
+            <a:off x="0" y="2243931"/>
             <a:ext cx="8940800" cy="787400"/>
           </a:xfrm>
           <a:prstGeom prst="rect">
@@ -8344,7 +8642,14 @@
         <p:cNvGrpSpPr/>
         <p:nvPr/>
       </p:nvGrpSpPr>
-      <p:grpSpPr/>
+      <p:grpSpPr>
+        <a:xfrm>
+          <a:off x="0" y="0"/>
+          <a:ext cx="0" cy="0"/>
+          <a:chOff x="0" y="0"/>
+          <a:chExt cx="0" cy="0"/>
+        </a:xfrm>
+      </p:grpSpPr>
       <p:sp>
         <p:nvSpPr>
           <p:cNvPr id="2" name="Title 1"/>
@@ -8382,14 +8687,7 @@
           <a:lstStyle/>
           <a:p>
             <a:r>
-              <a:t> Do not pass important information through H</a:t>
-            </a:r>
-            <a:r>
-              <a:rPr lang="en-US"/>
-              <a:t>T</a:t>
-            </a:r>
-            <a:r>
-              <a:t>TP GET because:</a:t>
+              <a:t> Do not pass important information through HTTP GET because:</a:t>
             </a:r>
           </a:p>
           <a:p>
@@ -8399,13 +8697,10 @@
             </a:r>
             <a:r>
               <a:rPr>
-                <a:latin typeface="Courier New" panose="02070309020205020404"/>
+                <a:latin typeface="Courier New"/>
               </a:rPr>
               <a:t> Man In The Middle Attack</a:t>
             </a:r>
-            <a:endParaRPr>
-              <a:latin typeface="Courier New" panose="02070309020205020404"/>
-            </a:endParaRPr>
           </a:p>
           <a:p>
             <a:pPr lvl="1"/>
@@ -8445,11 +8740,6 @@
               </a:rPr>
               <a:t>Copyright © 2021 by Elephant Scale, All Rights Reserved</a:t>
             </a:r>
-            <a:endParaRPr sz="800">
-              <a:solidFill>
-                <a:srgbClr val="000000"/>
-              </a:solidFill>
-            </a:endParaRPr>
           </a:p>
         </p:txBody>
       </p:sp>
@@ -8470,7 +8760,14 @@
         <p:cNvGrpSpPr/>
         <p:nvPr/>
       </p:nvGrpSpPr>
-      <p:grpSpPr/>
+      <p:grpSpPr>
+        <a:xfrm>
+          <a:off x="0" y="0"/>
+          <a:ext cx="0" cy="0"/>
+          <a:chOff x="0" y="0"/>
+          <a:chExt cx="0" cy="0"/>
+        </a:xfrm>
+      </p:grpSpPr>
       <p:sp>
         <p:nvSpPr>
           <p:cNvPr id="2" name="Title 1"/>
@@ -8508,7 +8805,7 @@
           <a:lstStyle/>
           <a:p>
             <a:r>
-              <a:t> Disable cache control in pages containing sensitive intormation through setting header flags</a:t>
+              <a:t> Disable cache control in pages containing sensitive information through setting header flags</a:t>
             </a:r>
           </a:p>
           <a:p>
@@ -8517,7 +8814,7 @@
             </a:r>
             <a:r>
               <a:rPr>
-                <a:latin typeface="Courier New" panose="02070309020205020404"/>
+                <a:latin typeface="Courier New"/>
               </a:rPr>
               <a:t> express</a:t>
             </a:r>
@@ -8525,11 +8822,21 @@
               <a:t> app</a:t>
             </a:r>
           </a:p>
-          <a:p/>
-          <a:p/>
-          <a:p/>
-          <a:p/>
-          <a:p/>
+          <a:p>
+            <a:endParaRPr/>
+          </a:p>
+          <a:p>
+            <a:endParaRPr/>
+          </a:p>
+          <a:p>
+            <a:endParaRPr/>
+          </a:p>
+          <a:p>
+            <a:endParaRPr/>
+          </a:p>
+          <a:p>
+            <a:endParaRPr/>
+          </a:p>
         </p:txBody>
       </p:sp>
       <p:sp>
@@ -8562,11 +8869,6 @@
               </a:rPr>
               <a:t>Copyright © 2021 by Elephant Scale, All Rights Reserved</a:t>
             </a:r>
-            <a:endParaRPr sz="800">
-              <a:solidFill>
-                <a:srgbClr val="000000"/>
-              </a:solidFill>
-            </a:endParaRPr>
           </a:p>
         </p:txBody>
       </p:sp>
@@ -8579,14 +8881,14 @@
           <p:nvPr/>
         </p:nvPicPr>
         <p:blipFill>
-          <a:blip r:embed="rId1"/>
+          <a:blip r:embed="rId2"/>
           <a:stretch>
             <a:fillRect/>
           </a:stretch>
         </p:blipFill>
         <p:spPr>
           <a:xfrm>
-            <a:off x="0" y="2231136"/>
+            <a:off x="0" y="2754790"/>
             <a:ext cx="8915400" cy="2788282"/>
           </a:xfrm>
           <a:prstGeom prst="rect">
@@ -8611,7 +8913,14 @@
         <p:cNvGrpSpPr/>
         <p:nvPr/>
       </p:nvGrpSpPr>
-      <p:grpSpPr/>
+      <p:grpSpPr>
+        <a:xfrm>
+          <a:off x="0" y="0"/>
+          <a:ext cx="0" cy="0"/>
+          <a:chOff x="0" y="0"/>
+          <a:chExt cx="0" cy="0"/>
+        </a:xfrm>
+      </p:grpSpPr>
       <p:sp>
         <p:nvSpPr>
           <p:cNvPr id="2" name="Title 1"/>
@@ -8658,7 +8967,7 @@
             </a:r>
             <a:r>
               <a:rPr>
-                <a:latin typeface="Courier New" panose="02070309020205020404"/>
+                <a:latin typeface="Courier New"/>
               </a:rPr>
               <a:t> aes-256-cbc</a:t>
             </a:r>
@@ -8667,7 +8976,7 @@
             </a:r>
             <a:r>
               <a:rPr>
-                <a:latin typeface="Courier New" panose="02070309020205020404"/>
+                <a:latin typeface="Courier New"/>
               </a:rPr>
               <a:t> crypto</a:t>
             </a:r>
@@ -8707,11 +9016,6 @@
               </a:rPr>
               <a:t>Copyright © 2021 by Elephant Scale, All Rights Reserved</a:t>
             </a:r>
-            <a:endParaRPr sz="800">
-              <a:solidFill>
-                <a:srgbClr val="000000"/>
-              </a:solidFill>
-            </a:endParaRPr>
           </a:p>
         </p:txBody>
       </p:sp>
@@ -8732,7 +9036,14 @@
         <p:cNvGrpSpPr/>
         <p:nvPr/>
       </p:nvGrpSpPr>
-      <p:grpSpPr/>
+      <p:grpSpPr>
+        <a:xfrm>
+          <a:off x="0" y="0"/>
+          <a:ext cx="0" cy="0"/>
+          <a:chOff x="0" y="0"/>
+          <a:chExt cx="0" cy="0"/>
+        </a:xfrm>
+      </p:grpSpPr>
       <p:sp>
         <p:nvSpPr>
           <p:cNvPr id="2" name="Title 1"/>
@@ -8768,13 +9079,27 @@
         <p:txBody>
           <a:bodyPr/>
           <a:lstStyle/>
-          <a:p/>
-          <a:p/>
-          <a:p/>
-          <a:p/>
-          <a:p/>
-          <a:p/>
-          <a:p/>
+          <a:p>
+            <a:endParaRPr/>
+          </a:p>
+          <a:p>
+            <a:endParaRPr/>
+          </a:p>
+          <a:p>
+            <a:endParaRPr/>
+          </a:p>
+          <a:p>
+            <a:endParaRPr/>
+          </a:p>
+          <a:p>
+            <a:endParaRPr/>
+          </a:p>
+          <a:p>
+            <a:endParaRPr/>
+          </a:p>
+          <a:p>
+            <a:endParaRPr/>
+          </a:p>
         </p:txBody>
       </p:sp>
       <p:sp>
@@ -8807,11 +9132,6 @@
               </a:rPr>
               <a:t>Copyright © 2021 by Elephant Scale, All Rights Reserved</a:t>
             </a:r>
-            <a:endParaRPr sz="800">
-              <a:solidFill>
-                <a:srgbClr val="000000"/>
-              </a:solidFill>
-            </a:endParaRPr>
           </a:p>
         </p:txBody>
       </p:sp>
@@ -8824,7 +9144,7 @@
           <p:nvPr/>
         </p:nvPicPr>
         <p:blipFill>
-          <a:blip r:embed="rId1"/>
+          <a:blip r:embed="rId2"/>
           <a:stretch>
             <a:fillRect/>
           </a:stretch>
@@ -8856,7 +9176,14 @@
         <p:cNvGrpSpPr/>
         <p:nvPr/>
       </p:nvGrpSpPr>
-      <p:grpSpPr/>
+      <p:grpSpPr>
+        <a:xfrm>
+          <a:off x="0" y="0"/>
+          <a:ext cx="0" cy="0"/>
+          <a:chOff x="0" y="0"/>
+          <a:chExt cx="0" cy="0"/>
+        </a:xfrm>
+      </p:grpSpPr>
       <p:sp>
         <p:nvSpPr>
           <p:cNvPr id="2" name="Title 1"/>
@@ -8892,8 +9219,12 @@
         <p:txBody>
           <a:bodyPr/>
           <a:lstStyle/>
-          <a:p/>
-          <a:p/>
+          <a:p>
+            <a:endParaRPr/>
+          </a:p>
+          <a:p>
+            <a:endParaRPr/>
+          </a:p>
         </p:txBody>
       </p:sp>
       <p:sp>
@@ -8926,11 +9257,6 @@
               </a:rPr>
               <a:t>Copyright © 2021 by Elephant Scale, All Rights Reserved</a:t>
             </a:r>
-            <a:endParaRPr sz="800">
-              <a:solidFill>
-                <a:srgbClr val="000000"/>
-              </a:solidFill>
-            </a:endParaRPr>
           </a:p>
         </p:txBody>
       </p:sp>
@@ -8943,7 +9269,7 @@
           <p:nvPr/>
         </p:nvPicPr>
         <p:blipFill>
-          <a:blip r:embed="rId1"/>
+          <a:blip r:embed="rId2"/>
           <a:stretch>
             <a:fillRect/>
           </a:stretch>
@@ -8975,7 +9301,14 @@
         <p:cNvGrpSpPr/>
         <p:nvPr/>
       </p:nvGrpSpPr>
-      <p:grpSpPr/>
+      <p:grpSpPr>
+        <a:xfrm>
+          <a:off x="0" y="0"/>
+          <a:ext cx="0" cy="0"/>
+          <a:chOff x="0" y="0"/>
+          <a:chExt cx="0" cy="0"/>
+        </a:xfrm>
+      </p:grpSpPr>
       <p:sp>
         <p:nvSpPr>
           <p:cNvPr id="2" name="Title 1"/>
@@ -9048,11 +9381,6 @@
               </a:rPr>
               <a:t>Copyright © 2021 by Elephant Scale, All Rights Reserved</a:t>
             </a:r>
-            <a:endParaRPr sz="800">
-              <a:solidFill>
-                <a:srgbClr val="000000"/>
-              </a:solidFill>
-            </a:endParaRPr>
           </a:p>
         </p:txBody>
       </p:sp>
@@ -9073,7 +9401,14 @@
         <p:cNvGrpSpPr/>
         <p:nvPr/>
       </p:nvGrpSpPr>
-      <p:grpSpPr/>
+      <p:grpSpPr>
+        <a:xfrm>
+          <a:off x="0" y="0"/>
+          <a:ext cx="0" cy="0"/>
+          <a:chOff x="0" y="0"/>
+          <a:chExt cx="0" cy="0"/>
+        </a:xfrm>
+      </p:grpSpPr>
       <p:sp>
         <p:nvSpPr>
           <p:cNvPr id="2" name="Title 1"/>
@@ -9090,7 +9425,8 @@
           <a:lstStyle/>
           <a:p>
             <a:r>
-              <a:t>Disable Aautocomplete</a:t>
+              <a:rPr dirty="0"/>
+              <a:t>Disable Autocomplete</a:t>
             </a:r>
           </a:p>
         </p:txBody>
@@ -9111,11 +9447,32 @@
           <a:lstStyle/>
           <a:p>
             <a:r>
-              <a:t> for whole the form:</a:t>
-            </a:r>
-          </a:p>
-          <a:p/>
-          <a:p/>
+              <a:rPr dirty="0"/>
+              <a:t> </a:t>
+            </a:r>
+            <a:r>
+              <a:rPr lang="en-US" dirty="0"/>
+              <a:t>F</a:t>
+            </a:r>
+            <a:r>
+              <a:rPr dirty="0"/>
+              <a:t>or </a:t>
+            </a:r>
+            <a:r>
+              <a:rPr lang="en-US" dirty="0"/>
+              <a:t>the </a:t>
+            </a:r>
+            <a:r>
+              <a:rPr dirty="0"/>
+              <a:t>whole form:</a:t>
+            </a:r>
+          </a:p>
+          <a:p>
+            <a:endParaRPr dirty="0"/>
+          </a:p>
+          <a:p>
+            <a:endParaRPr dirty="0"/>
+          </a:p>
         </p:txBody>
       </p:sp>
       <p:sp>
@@ -9148,11 +9505,6 @@
               </a:rPr>
               <a:t>Copyright © 2021 by Elephant Scale, All Rights Reserved</a:t>
             </a:r>
-            <a:endParaRPr sz="800">
-              <a:solidFill>
-                <a:srgbClr val="000000"/>
-              </a:solidFill>
-            </a:endParaRPr>
           </a:p>
         </p:txBody>
       </p:sp>
@@ -9165,7 +9517,7 @@
           <p:nvPr/>
         </p:nvPicPr>
         <p:blipFill>
-          <a:blip r:embed="rId1"/>
+          <a:blip r:embed="rId2"/>
           <a:stretch>
             <a:fillRect/>
           </a:stretch>
@@ -9197,7 +9549,14 @@
         <p:cNvGrpSpPr/>
         <p:nvPr/>
       </p:nvGrpSpPr>
-      <p:grpSpPr/>
+      <p:grpSpPr>
+        <a:xfrm>
+          <a:off x="0" y="0"/>
+          <a:ext cx="0" cy="0"/>
+          <a:chOff x="0" y="0"/>
+          <a:chExt cx="0" cy="0"/>
+        </a:xfrm>
+      </p:grpSpPr>
       <p:sp>
         <p:nvSpPr>
           <p:cNvPr id="2" name="Title 1"/>
@@ -9300,11 +9659,6 @@
               </a:rPr>
               <a:t>Copyright © 2021 by Elephant Scale, All Rights Reserved</a:t>
             </a:r>
-            <a:endParaRPr sz="800">
-              <a:solidFill>
-                <a:srgbClr val="000000"/>
-              </a:solidFill>
-            </a:endParaRPr>
           </a:p>
         </p:txBody>
       </p:sp>
@@ -9325,7 +9679,14 @@
         <p:cNvGrpSpPr/>
         <p:nvPr/>
       </p:nvGrpSpPr>
-      <p:grpSpPr/>
+      <p:grpSpPr>
+        <a:xfrm>
+          <a:off x="0" y="0"/>
+          <a:ext cx="0" cy="0"/>
+          <a:chOff x="0" y="0"/>
+          <a:chExt cx="0" cy="0"/>
+        </a:xfrm>
+      </p:grpSpPr>
       <p:sp>
         <p:nvSpPr>
           <p:cNvPr id="2" name="Title 1"/>
@@ -9363,23 +9724,40 @@
           <a:lstStyle/>
           <a:p>
             <a:r>
+              <a:rPr dirty="0"/>
               <a:t> Following server-side script is used to display the last comment:</a:t>
             </a:r>
           </a:p>
-          <a:p/>
-          <a:p/>
-          <a:p>
-            <a:r>
+          <a:p>
+            <a:endParaRPr dirty="0"/>
+          </a:p>
+          <a:p>
+            <a:endParaRPr dirty="0"/>
+          </a:p>
+          <a:p>
+            <a:r>
+              <a:rPr dirty="0"/>
               <a:t> Now attacker sends his script as comment "&lt;script&gt;...&lt;/script&gt;"</a:t>
             </a:r>
           </a:p>
           <a:p>
-            <a:r>
+            <a:endParaRPr lang="en-US" dirty="0"/>
+          </a:p>
+          <a:p>
+            <a:endParaRPr lang="en-US" dirty="0"/>
+          </a:p>
+          <a:p>
+            <a:r>
+              <a:rPr dirty="0"/>
               <a:t> Finally, user visits the page would get the response like this:</a:t>
             </a:r>
           </a:p>
-          <a:p/>
-          <a:p/>
+          <a:p>
+            <a:endParaRPr dirty="0"/>
+          </a:p>
+          <a:p>
+            <a:endParaRPr dirty="0"/>
+          </a:p>
         </p:txBody>
       </p:sp>
       <p:sp>
@@ -9412,11 +9790,6 @@
               </a:rPr>
               <a:t>Copyright © 2021 by Elephant Scale, All Rights Reserved</a:t>
             </a:r>
-            <a:endParaRPr sz="800">
-              <a:solidFill>
-                <a:srgbClr val="000000"/>
-              </a:solidFill>
-            </a:endParaRPr>
           </a:p>
         </p:txBody>
       </p:sp>
@@ -9429,14 +9802,14 @@
           <p:nvPr/>
         </p:nvPicPr>
         <p:blipFill>
-          <a:blip r:embed="rId1"/>
+          <a:blip r:embed="rId2"/>
           <a:stretch>
             <a:fillRect/>
           </a:stretch>
         </p:blipFill>
         <p:spPr>
           <a:xfrm>
-            <a:off x="0" y="1700784"/>
+            <a:off x="19050" y="2091531"/>
             <a:ext cx="7973568" cy="1737360"/>
           </a:xfrm>
           <a:prstGeom prst="rect">
@@ -9453,7 +9826,7 @@
           <p:nvPr/>
         </p:nvPicPr>
         <p:blipFill>
-          <a:blip r:embed="rId2"/>
+          <a:blip r:embed="rId3"/>
           <a:stretch>
             <a:fillRect/>
           </a:stretch>
@@ -9485,7 +9858,14 @@
         <p:cNvGrpSpPr/>
         <p:nvPr/>
       </p:nvGrpSpPr>
-      <p:grpSpPr/>
+      <p:grpSpPr>
+        <a:xfrm>
+          <a:off x="0" y="0"/>
+          <a:ext cx="0" cy="0"/>
+          <a:chOff x="0" y="0"/>
+          <a:chExt cx="0" cy="0"/>
+        </a:xfrm>
+      </p:grpSpPr>
       <p:sp>
         <p:nvSpPr>
           <p:cNvPr id="2" name="Title 1"/>
@@ -9570,11 +9950,6 @@
               </a:rPr>
               <a:t>Copyright © 2021 by Elephant Scale, All Rights Reserved</a:t>
             </a:r>
-            <a:endParaRPr sz="800">
-              <a:solidFill>
-                <a:srgbClr val="000000"/>
-              </a:solidFill>
-            </a:endParaRPr>
           </a:p>
         </p:txBody>
       </p:sp>
@@ -9595,7 +9970,14 @@
         <p:cNvGrpSpPr/>
         <p:nvPr/>
       </p:nvGrpSpPr>
-      <p:grpSpPr/>
+      <p:grpSpPr>
+        <a:xfrm>
+          <a:off x="0" y="0"/>
+          <a:ext cx="0" cy="0"/>
+          <a:chOff x="0" y="0"/>
+          <a:chExt cx="0" cy="0"/>
+        </a:xfrm>
+      </p:grpSpPr>
       <p:sp>
         <p:nvSpPr>
           <p:cNvPr id="2" name="Title 1"/>
@@ -9636,15 +10018,23 @@
               <a:t> Encoding user input on server-side: &amp;lt; instead of &lt; and &amp;gt; instead of &gt;</a:t>
             </a:r>
           </a:p>
-          <a:p/>
-          <a:p/>
+          <a:p>
+            <a:endParaRPr/>
+          </a:p>
+          <a:p>
+            <a:endParaRPr/>
+          </a:p>
           <a:p>
             <a:r>
               <a:t> Resulting HTML would be like this:</a:t>
             </a:r>
           </a:p>
-          <a:p/>
-          <a:p/>
+          <a:p>
+            <a:endParaRPr/>
+          </a:p>
+          <a:p>
+            <a:endParaRPr/>
+          </a:p>
         </p:txBody>
       </p:sp>
       <p:sp>
@@ -9677,11 +10067,6 @@
               </a:rPr>
               <a:t>Copyright © 2021 by Elephant Scale, All Rights Reserved</a:t>
             </a:r>
-            <a:endParaRPr sz="800">
-              <a:solidFill>
-                <a:srgbClr val="000000"/>
-              </a:solidFill>
-            </a:endParaRPr>
           </a:p>
         </p:txBody>
       </p:sp>
@@ -9694,7 +10079,7 @@
           <p:nvPr/>
         </p:nvPicPr>
         <p:blipFill>
-          <a:blip r:embed="rId1"/>
+          <a:blip r:embed="rId2"/>
           <a:stretch>
             <a:fillRect/>
           </a:stretch>
@@ -9718,7 +10103,7 @@
           <p:nvPr/>
         </p:nvPicPr>
         <p:blipFill>
-          <a:blip r:embed="rId2"/>
+          <a:blip r:embed="rId3"/>
           <a:stretch>
             <a:fillRect/>
           </a:stretch>
@@ -9750,7 +10135,14 @@
         <p:cNvGrpSpPr/>
         <p:nvPr/>
       </p:nvGrpSpPr>
-      <p:grpSpPr/>
+      <p:grpSpPr>
+        <a:xfrm>
+          <a:off x="0" y="0"/>
+          <a:ext cx="0" cy="0"/>
+          <a:chOff x="0" y="0"/>
+          <a:chExt cx="0" cy="0"/>
+        </a:xfrm>
+      </p:grpSpPr>
       <p:sp>
         <p:nvSpPr>
           <p:cNvPr id="2" name="Title 1"/>
@@ -9795,7 +10187,7 @@
             <a:pPr lvl="1"/>
             <a:r>
               <a:rPr>
-                <a:latin typeface="Courier New" panose="02070309020205020404"/>
+                <a:latin typeface="Courier New"/>
               </a:rPr>
               <a:t> &lt;em&gt; &lt;strong&gt;</a:t>
             </a:r>
@@ -9807,7 +10199,7 @@
             <a:pPr lvl="1"/>
             <a:r>
               <a:rPr>
-                <a:latin typeface="Courier New" panose="02070309020205020404"/>
+                <a:latin typeface="Courier New"/>
               </a:rPr>
               <a:t> &lt;script&gt;</a:t>
             </a:r>
@@ -9888,11 +10280,6 @@
               </a:rPr>
               <a:t>Copyright © 2021 by Elephant Scale, All Rights Reserved</a:t>
             </a:r>
-            <a:endParaRPr sz="800">
-              <a:solidFill>
-                <a:srgbClr val="000000"/>
-              </a:solidFill>
-            </a:endParaRPr>
           </a:p>
         </p:txBody>
       </p:sp>
@@ -10147,8 +10534,13 @@
           <a:headEnd type="none" w="med" len="med"/>
           <a:tailEnd type="none" w="med" len="med"/>
         </a:ln>
+        <a:effectLst/>
       </a:spPr>
-      <a:bodyPr vert="horz" wrap="square" lIns="91440" tIns="45720" rIns="91440" bIns="45720" numCol="1" anchor="t" anchorCtr="0" compatLnSpc="1"/>
+      <a:bodyPr vert="horz" wrap="square" lIns="91440" tIns="45720" rIns="91440" bIns="45720" numCol="1" anchor="t" anchorCtr="0" compatLnSpc="1">
+        <a:prstTxWarp prst="textNoShape">
+          <a:avLst/>
+        </a:prstTxWarp>
+      </a:bodyPr>
       <a:lstStyle>
         <a:defPPr marL="0" marR="0" indent="0" algn="ctr" defTabSz="914400" rtl="0" eaLnBrk="1" fontAlgn="base" latinLnBrk="0" hangingPunct="1">
           <a:lnSpc>
@@ -10164,6 +10556,7 @@
           <a:buSzTx/>
           <a:buFontTx/>
           <a:buNone/>
+          <a:tabLst/>
           <a:defRPr kumimoji="0" lang="en-US" sz="1000" b="0" i="0" u="none" strike="noStrike" cap="none" normalizeH="0" baseline="0">
             <a:ln>
               <a:noFill/>
@@ -10172,7 +10565,7 @@
               <a:schemeClr val="tx1"/>
             </a:solidFill>
             <a:effectLst/>
-            <a:latin typeface="Garamond" pitchFamily="18" charset="0"/>
+            <a:latin typeface="Garamond" pitchFamily="-110" charset="0"/>
           </a:defRPr>
         </a:defPPr>
       </a:lstStyle>
@@ -10203,8 +10596,13 @@
           <a:headEnd type="none" w="med" len="med"/>
           <a:tailEnd type="none" w="med" len="med"/>
         </a:ln>
+        <a:effectLst/>
       </a:spPr>
-      <a:bodyPr vert="horz" wrap="square" lIns="91440" tIns="45720" rIns="91440" bIns="45720" numCol="1" anchor="t" anchorCtr="0" compatLnSpc="1"/>
+      <a:bodyPr vert="horz" wrap="square" lIns="91440" tIns="45720" rIns="91440" bIns="45720" numCol="1" anchor="t" anchorCtr="0" compatLnSpc="1">
+        <a:prstTxWarp prst="textNoShape">
+          <a:avLst/>
+        </a:prstTxWarp>
+      </a:bodyPr>
       <a:lstStyle>
         <a:defPPr marL="0" marR="0" indent="0" algn="ctr" defTabSz="914400" rtl="0" eaLnBrk="1" fontAlgn="base" latinLnBrk="0" hangingPunct="1">
           <a:lnSpc>
@@ -10220,6 +10618,7 @@
           <a:buSzTx/>
           <a:buFontTx/>
           <a:buNone/>
+          <a:tabLst/>
           <a:defRPr kumimoji="0" lang="en-US" sz="1000" b="0" i="0" u="none" strike="noStrike" cap="none" normalizeH="0" baseline="0">
             <a:ln>
               <a:noFill/>
@@ -10228,7 +10627,7 @@
               <a:schemeClr val="tx1"/>
             </a:solidFill>
             <a:effectLst/>
-            <a:latin typeface="Garamond" pitchFamily="18" charset="0"/>
+            <a:latin typeface="Garamond" pitchFamily="-110" charset="0"/>
           </a:defRPr>
         </a:defPPr>
       </a:lstStyle>
@@ -10523,11 +10922,6 @@
       <a:clrMap bg1="dk2" tx1="lt1" bg2="dk1" tx2="lt2" accent1="accent1" accent2="accent2" accent3="accent3" accent4="accent4" accent5="accent5" accent6="accent6" hlink="hlink" folHlink="folHlink"/>
     </a:extraClrScheme>
   </a:extraClrSchemeLst>
-  <a:extLst>
-    <a:ext uri="{05A4C25C-085E-4340-85A3-A5531E510DB2}">
-      <thm15:themeFamily xmlns:thm15="http://schemas.microsoft.com/office/thememl/2012/main" name="Office Theme" id="{62F939B6-93AF-4DB8-9C6B-D6C7DFDC589F}" vid="{4A3C46E8-61CC-4603-A589-7422A47A8E4A}"/>
-    </a:ext>
-  </a:extLst>
 </a:theme>
 </file>
 
@@ -10845,11 +11239,7 @@
       </a:style>
     </a:lnDef>
   </a:objectDefaults>
-  <a:extLst>
-    <a:ext uri="{05A4C25C-085E-4340-85A3-A5531E510DB2}">
-      <thm15:themeFamily xmlns:thm15="http://schemas.microsoft.com/office/thememl/2012/main" name="Office Theme" id="{62F939B6-93AF-4DB8-9C6B-D6C7DFDC589F}" vid="{4A3C46E8-61CC-4603-A589-7422A47A8E4A}"/>
-    </a:ext>
-  </a:extLst>
+  <a:extraClrSchemeLst/>
 </a:theme>
 </file>
 
@@ -11167,10 +11557,6 @@
       </a:style>
     </a:lnDef>
   </a:objectDefaults>
-  <a:extLst>
-    <a:ext uri="{05A4C25C-085E-4340-85A3-A5531E510DB2}">
-      <thm15:themeFamily xmlns:thm15="http://schemas.microsoft.com/office/thememl/2012/main" name="Office Theme" id="{62F939B6-93AF-4DB8-9C6B-D6C7DFDC589F}" vid="{4A3C46E8-61CC-4603-A589-7422A47A8E4A}"/>
-    </a:ext>
-  </a:extLst>
+  <a:extraClrSchemeLst/>
 </a:theme>
 </file>